--- a/Nashville Businesses in Black Communities.pptx
+++ b/Nashville Businesses in Black Communities.pptx
@@ -4,11 +4,16 @@
   <p:sldMasterIdLst>
     <p:sldMasterId id="2147483775" r:id="rId1"/>
   </p:sldMasterIdLst>
+  <p:notesMasterIdLst>
+    <p:notesMasterId r:id="rId8"/>
+  </p:notesMasterIdLst>
   <p:sldIdLst>
     <p:sldId id="256" r:id="rId2"/>
     <p:sldId id="257" r:id="rId3"/>
     <p:sldId id="258" r:id="rId4"/>
     <p:sldId id="259" r:id="rId5"/>
+    <p:sldId id="260" r:id="rId6"/>
+    <p:sldId id="261" r:id="rId7"/>
   </p:sldIdLst>
   <p:sldSz cx="12192000" cy="6858000"/>
   <p:notesSz cx="6858000" cy="9144000"/>
@@ -107,7 +112,451 @@
       </a:defRPr>
     </a:lvl9pPr>
   </p:defaultTextStyle>
+  <p:extLst>
+    <p:ext uri="{EFAFB233-063F-42B5-8137-9DF3F51BA10A}">
+      <p15:sldGuideLst xmlns:p15="http://schemas.microsoft.com/office/powerpoint/2012/main"/>
+    </p:ext>
+    <p:ext uri="{2D200454-40CA-4A62-9FC3-DE9A4176ACB9}">
+      <p15:notesGuideLst xmlns:p15="http://schemas.microsoft.com/office/powerpoint/2012/main"/>
+    </p:ext>
+  </p:extLst>
 </p:presentation>
+</file>
+
+<file path=ppt/notesMasters/notesMaster1.xml><?xml version="1.0" encoding="utf-8"?>
+<p:notesMaster xmlns:a="http://schemas.openxmlformats.org/drawingml/2006/main" xmlns:r="http://schemas.openxmlformats.org/officeDocument/2006/relationships" xmlns:p="http://schemas.openxmlformats.org/presentationml/2006/main">
+  <p:cSld>
+    <p:bg>
+      <p:bgRef idx="1001">
+        <a:schemeClr val="bg1"/>
+      </p:bgRef>
+    </p:bg>
+    <p:spTree>
+      <p:nvGrpSpPr>
+        <p:cNvPr id="1" name=""/>
+        <p:cNvGrpSpPr/>
+        <p:nvPr/>
+      </p:nvGrpSpPr>
+      <p:grpSpPr>
+        <a:xfrm>
+          <a:off x="0" y="0"/>
+          <a:ext cx="0" cy="0"/>
+          <a:chOff x="0" y="0"/>
+          <a:chExt cx="0" cy="0"/>
+        </a:xfrm>
+      </p:grpSpPr>
+      <p:sp>
+        <p:nvSpPr>
+          <p:cNvPr id="2" name="Header Placeholder 1"/>
+          <p:cNvSpPr>
+            <a:spLocks noGrp="1"/>
+          </p:cNvSpPr>
+          <p:nvPr>
+            <p:ph type="hdr" sz="quarter"/>
+          </p:nvPr>
+        </p:nvSpPr>
+        <p:spPr>
+          <a:xfrm>
+            <a:off x="0" y="0"/>
+            <a:ext cx="2971800" cy="458788"/>
+          </a:xfrm>
+          <a:prstGeom prst="rect">
+            <a:avLst/>
+          </a:prstGeom>
+        </p:spPr>
+        <p:txBody>
+          <a:bodyPr vert="horz" lIns="91440" tIns="45720" rIns="91440" bIns="45720" rtlCol="0"/>
+          <a:lstStyle>
+            <a:lvl1pPr algn="l">
+              <a:defRPr sz="1200"/>
+            </a:lvl1pPr>
+          </a:lstStyle>
+          <a:p>
+            <a:endParaRPr lang="en-US"/>
+          </a:p>
+        </p:txBody>
+      </p:sp>
+      <p:sp>
+        <p:nvSpPr>
+          <p:cNvPr id="3" name="Date Placeholder 2"/>
+          <p:cNvSpPr>
+            <a:spLocks noGrp="1"/>
+          </p:cNvSpPr>
+          <p:nvPr>
+            <p:ph type="dt" idx="1"/>
+          </p:nvPr>
+        </p:nvSpPr>
+        <p:spPr>
+          <a:xfrm>
+            <a:off x="3884613" y="0"/>
+            <a:ext cx="2971800" cy="458788"/>
+          </a:xfrm>
+          <a:prstGeom prst="rect">
+            <a:avLst/>
+          </a:prstGeom>
+        </p:spPr>
+        <p:txBody>
+          <a:bodyPr vert="horz" lIns="91440" tIns="45720" rIns="91440" bIns="45720" rtlCol="0"/>
+          <a:lstStyle>
+            <a:lvl1pPr algn="r">
+              <a:defRPr sz="1200"/>
+            </a:lvl1pPr>
+          </a:lstStyle>
+          <a:p>
+            <a:fld id="{24B3DC48-D807-4CB8-8AC2-9634B3593D1F}" type="datetimeFigureOut">
+              <a:rPr lang="en-US" smtClean="0"/>
+              <a:t>12/19/2021</a:t>
+            </a:fld>
+            <a:endParaRPr lang="en-US"/>
+          </a:p>
+        </p:txBody>
+      </p:sp>
+      <p:sp>
+        <p:nvSpPr>
+          <p:cNvPr id="4" name="Slide Image Placeholder 3"/>
+          <p:cNvSpPr>
+            <a:spLocks noGrp="1" noRot="1" noChangeAspect="1"/>
+          </p:cNvSpPr>
+          <p:nvPr>
+            <p:ph type="sldImg" idx="2"/>
+          </p:nvPr>
+        </p:nvSpPr>
+        <p:spPr>
+          <a:xfrm>
+            <a:off x="685800" y="1143000"/>
+            <a:ext cx="5486400" cy="3086100"/>
+          </a:xfrm>
+          <a:prstGeom prst="rect">
+            <a:avLst/>
+          </a:prstGeom>
+          <a:noFill/>
+          <a:ln w="12700">
+            <a:solidFill>
+              <a:prstClr val="black"/>
+            </a:solidFill>
+          </a:ln>
+        </p:spPr>
+        <p:txBody>
+          <a:bodyPr vert="horz" lIns="91440" tIns="45720" rIns="91440" bIns="45720" rtlCol="0" anchor="ctr"/>
+          <a:lstStyle/>
+          <a:p>
+            <a:endParaRPr lang="en-US"/>
+          </a:p>
+        </p:txBody>
+      </p:sp>
+      <p:sp>
+        <p:nvSpPr>
+          <p:cNvPr id="5" name="Notes Placeholder 4"/>
+          <p:cNvSpPr>
+            <a:spLocks noGrp="1"/>
+          </p:cNvSpPr>
+          <p:nvPr>
+            <p:ph type="body" sz="quarter" idx="3"/>
+          </p:nvPr>
+        </p:nvSpPr>
+        <p:spPr>
+          <a:xfrm>
+            <a:off x="685800" y="4400550"/>
+            <a:ext cx="5486400" cy="3600450"/>
+          </a:xfrm>
+          <a:prstGeom prst="rect">
+            <a:avLst/>
+          </a:prstGeom>
+        </p:spPr>
+        <p:txBody>
+          <a:bodyPr vert="horz" lIns="91440" tIns="45720" rIns="91440" bIns="45720" rtlCol="0"/>
+          <a:lstStyle/>
+          <a:p>
+            <a:pPr lvl="0"/>
+            <a:r>
+              <a:rPr lang="en-US"/>
+              <a:t>Click to edit Master text styles</a:t>
+            </a:r>
+          </a:p>
+          <a:p>
+            <a:pPr lvl="1"/>
+            <a:r>
+              <a:rPr lang="en-US"/>
+              <a:t>Second level</a:t>
+            </a:r>
+          </a:p>
+          <a:p>
+            <a:pPr lvl="2"/>
+            <a:r>
+              <a:rPr lang="en-US"/>
+              <a:t>Third level</a:t>
+            </a:r>
+          </a:p>
+          <a:p>
+            <a:pPr lvl="3"/>
+            <a:r>
+              <a:rPr lang="en-US"/>
+              <a:t>Fourth level</a:t>
+            </a:r>
+          </a:p>
+          <a:p>
+            <a:pPr lvl="4"/>
+            <a:r>
+              <a:rPr lang="en-US"/>
+              <a:t>Fifth level</a:t>
+            </a:r>
+          </a:p>
+        </p:txBody>
+      </p:sp>
+      <p:sp>
+        <p:nvSpPr>
+          <p:cNvPr id="6" name="Footer Placeholder 5"/>
+          <p:cNvSpPr>
+            <a:spLocks noGrp="1"/>
+          </p:cNvSpPr>
+          <p:nvPr>
+            <p:ph type="ftr" sz="quarter" idx="4"/>
+          </p:nvPr>
+        </p:nvSpPr>
+        <p:spPr>
+          <a:xfrm>
+            <a:off x="0" y="8685213"/>
+            <a:ext cx="2971800" cy="458787"/>
+          </a:xfrm>
+          <a:prstGeom prst="rect">
+            <a:avLst/>
+          </a:prstGeom>
+        </p:spPr>
+        <p:txBody>
+          <a:bodyPr vert="horz" lIns="91440" tIns="45720" rIns="91440" bIns="45720" rtlCol="0" anchor="b"/>
+          <a:lstStyle>
+            <a:lvl1pPr algn="l">
+              <a:defRPr sz="1200"/>
+            </a:lvl1pPr>
+          </a:lstStyle>
+          <a:p>
+            <a:endParaRPr lang="en-US"/>
+          </a:p>
+        </p:txBody>
+      </p:sp>
+      <p:sp>
+        <p:nvSpPr>
+          <p:cNvPr id="7" name="Slide Number Placeholder 6"/>
+          <p:cNvSpPr>
+            <a:spLocks noGrp="1"/>
+          </p:cNvSpPr>
+          <p:nvPr>
+            <p:ph type="sldNum" sz="quarter" idx="5"/>
+          </p:nvPr>
+        </p:nvSpPr>
+        <p:spPr>
+          <a:xfrm>
+            <a:off x="3884613" y="8685213"/>
+            <a:ext cx="2971800" cy="458787"/>
+          </a:xfrm>
+          <a:prstGeom prst="rect">
+            <a:avLst/>
+          </a:prstGeom>
+        </p:spPr>
+        <p:txBody>
+          <a:bodyPr vert="horz" lIns="91440" tIns="45720" rIns="91440" bIns="45720" rtlCol="0" anchor="b"/>
+          <a:lstStyle>
+            <a:lvl1pPr algn="r">
+              <a:defRPr sz="1200"/>
+            </a:lvl1pPr>
+          </a:lstStyle>
+          <a:p>
+            <a:fld id="{1C1ED85E-C528-4A4A-84D2-C4CB41DC396C}" type="slidenum">
+              <a:rPr lang="en-US" smtClean="0"/>
+              <a:t>‹#›</a:t>
+            </a:fld>
+            <a:endParaRPr lang="en-US"/>
+          </a:p>
+        </p:txBody>
+      </p:sp>
+    </p:spTree>
+    <p:extLst>
+      <p:ext uri="{BB962C8B-B14F-4D97-AF65-F5344CB8AC3E}">
+        <p14:creationId xmlns:p14="http://schemas.microsoft.com/office/powerpoint/2010/main" val="1982889682"/>
+      </p:ext>
+    </p:extLst>
+  </p:cSld>
+  <p:clrMap bg1="lt1" tx1="dk1" bg2="lt2" tx2="dk2" accent1="accent1" accent2="accent2" accent3="accent3" accent4="accent4" accent5="accent5" accent6="accent6" hlink="hlink" folHlink="folHlink"/>
+  <p:notesStyle>
+    <a:lvl1pPr marL="0" algn="l" defTabSz="914400" rtl="0" eaLnBrk="1" latinLnBrk="0" hangingPunct="1">
+      <a:defRPr sz="1200" kern="1200">
+        <a:solidFill>
+          <a:schemeClr val="tx1"/>
+        </a:solidFill>
+        <a:latin typeface="+mn-lt"/>
+        <a:ea typeface="+mn-ea"/>
+        <a:cs typeface="+mn-cs"/>
+      </a:defRPr>
+    </a:lvl1pPr>
+    <a:lvl2pPr marL="457200" algn="l" defTabSz="914400" rtl="0" eaLnBrk="1" latinLnBrk="0" hangingPunct="1">
+      <a:defRPr sz="1200" kern="1200">
+        <a:solidFill>
+          <a:schemeClr val="tx1"/>
+        </a:solidFill>
+        <a:latin typeface="+mn-lt"/>
+        <a:ea typeface="+mn-ea"/>
+        <a:cs typeface="+mn-cs"/>
+      </a:defRPr>
+    </a:lvl2pPr>
+    <a:lvl3pPr marL="914400" algn="l" defTabSz="914400" rtl="0" eaLnBrk="1" latinLnBrk="0" hangingPunct="1">
+      <a:defRPr sz="1200" kern="1200">
+        <a:solidFill>
+          <a:schemeClr val="tx1"/>
+        </a:solidFill>
+        <a:latin typeface="+mn-lt"/>
+        <a:ea typeface="+mn-ea"/>
+        <a:cs typeface="+mn-cs"/>
+      </a:defRPr>
+    </a:lvl3pPr>
+    <a:lvl4pPr marL="1371600" algn="l" defTabSz="914400" rtl="0" eaLnBrk="1" latinLnBrk="0" hangingPunct="1">
+      <a:defRPr sz="1200" kern="1200">
+        <a:solidFill>
+          <a:schemeClr val="tx1"/>
+        </a:solidFill>
+        <a:latin typeface="+mn-lt"/>
+        <a:ea typeface="+mn-ea"/>
+        <a:cs typeface="+mn-cs"/>
+      </a:defRPr>
+    </a:lvl4pPr>
+    <a:lvl5pPr marL="1828800" algn="l" defTabSz="914400" rtl="0" eaLnBrk="1" latinLnBrk="0" hangingPunct="1">
+      <a:defRPr sz="1200" kern="1200">
+        <a:solidFill>
+          <a:schemeClr val="tx1"/>
+        </a:solidFill>
+        <a:latin typeface="+mn-lt"/>
+        <a:ea typeface="+mn-ea"/>
+        <a:cs typeface="+mn-cs"/>
+      </a:defRPr>
+    </a:lvl5pPr>
+    <a:lvl6pPr marL="2286000" algn="l" defTabSz="914400" rtl="0" eaLnBrk="1" latinLnBrk="0" hangingPunct="1">
+      <a:defRPr sz="1200" kern="1200">
+        <a:solidFill>
+          <a:schemeClr val="tx1"/>
+        </a:solidFill>
+        <a:latin typeface="+mn-lt"/>
+        <a:ea typeface="+mn-ea"/>
+        <a:cs typeface="+mn-cs"/>
+      </a:defRPr>
+    </a:lvl6pPr>
+    <a:lvl7pPr marL="2743200" algn="l" defTabSz="914400" rtl="0" eaLnBrk="1" latinLnBrk="0" hangingPunct="1">
+      <a:defRPr sz="1200" kern="1200">
+        <a:solidFill>
+          <a:schemeClr val="tx1"/>
+        </a:solidFill>
+        <a:latin typeface="+mn-lt"/>
+        <a:ea typeface="+mn-ea"/>
+        <a:cs typeface="+mn-cs"/>
+      </a:defRPr>
+    </a:lvl7pPr>
+    <a:lvl8pPr marL="3200400" algn="l" defTabSz="914400" rtl="0" eaLnBrk="1" latinLnBrk="0" hangingPunct="1">
+      <a:defRPr sz="1200" kern="1200">
+        <a:solidFill>
+          <a:schemeClr val="tx1"/>
+        </a:solidFill>
+        <a:latin typeface="+mn-lt"/>
+        <a:ea typeface="+mn-ea"/>
+        <a:cs typeface="+mn-cs"/>
+      </a:defRPr>
+    </a:lvl8pPr>
+    <a:lvl9pPr marL="3657600" algn="l" defTabSz="914400" rtl="0" eaLnBrk="1" latinLnBrk="0" hangingPunct="1">
+      <a:defRPr sz="1200" kern="1200">
+        <a:solidFill>
+          <a:schemeClr val="tx1"/>
+        </a:solidFill>
+        <a:latin typeface="+mn-lt"/>
+        <a:ea typeface="+mn-ea"/>
+        <a:cs typeface="+mn-cs"/>
+      </a:defRPr>
+    </a:lvl9pPr>
+  </p:notesStyle>
+</p:notesMaster>
+</file>
+
+<file path=ppt/notesSlides/notesSlide1.xml><?xml version="1.0" encoding="utf-8"?>
+<p:notes xmlns:a="http://schemas.openxmlformats.org/drawingml/2006/main" xmlns:r="http://schemas.openxmlformats.org/officeDocument/2006/relationships" xmlns:p="http://schemas.openxmlformats.org/presentationml/2006/main">
+  <p:cSld>
+    <p:spTree>
+      <p:nvGrpSpPr>
+        <p:cNvPr id="1" name=""/>
+        <p:cNvGrpSpPr/>
+        <p:nvPr/>
+      </p:nvGrpSpPr>
+      <p:grpSpPr>
+        <a:xfrm>
+          <a:off x="0" y="0"/>
+          <a:ext cx="0" cy="0"/>
+          <a:chOff x="0" y="0"/>
+          <a:chExt cx="0" cy="0"/>
+        </a:xfrm>
+      </p:grpSpPr>
+      <p:sp>
+        <p:nvSpPr>
+          <p:cNvPr id="2" name="Slide Image Placeholder 1"/>
+          <p:cNvSpPr>
+            <a:spLocks noGrp="1" noRot="1" noChangeAspect="1"/>
+          </p:cNvSpPr>
+          <p:nvPr>
+            <p:ph type="sldImg"/>
+          </p:nvPr>
+        </p:nvSpPr>
+        <p:spPr/>
+      </p:sp>
+      <p:sp>
+        <p:nvSpPr>
+          <p:cNvPr id="3" name="Notes Placeholder 2"/>
+          <p:cNvSpPr>
+            <a:spLocks noGrp="1"/>
+          </p:cNvSpPr>
+          <p:nvPr>
+            <p:ph type="body" idx="1"/>
+          </p:nvPr>
+        </p:nvSpPr>
+        <p:spPr/>
+        <p:txBody>
+          <a:bodyPr/>
+          <a:lstStyle/>
+          <a:p>
+            <a:r>
+              <a:rPr lang="en-US" dirty="0"/>
+              <a:t>According to the New York Times, covid times have seen an increase in entrepreneurship and people going into business for themselves. This has largely been due to  </a:t>
+            </a:r>
+          </a:p>
+        </p:txBody>
+      </p:sp>
+      <p:sp>
+        <p:nvSpPr>
+          <p:cNvPr id="4" name="Slide Number Placeholder 3"/>
+          <p:cNvSpPr>
+            <a:spLocks noGrp="1"/>
+          </p:cNvSpPr>
+          <p:nvPr>
+            <p:ph type="sldNum" sz="quarter" idx="5"/>
+          </p:nvPr>
+        </p:nvSpPr>
+        <p:spPr/>
+        <p:txBody>
+          <a:bodyPr/>
+          <a:lstStyle/>
+          <a:p>
+            <a:fld id="{1C1ED85E-C528-4A4A-84D2-C4CB41DC396C}" type="slidenum">
+              <a:rPr lang="en-US" smtClean="0"/>
+              <a:t>2</a:t>
+            </a:fld>
+            <a:endParaRPr lang="en-US"/>
+          </a:p>
+        </p:txBody>
+      </p:sp>
+    </p:spTree>
+    <p:extLst>
+      <p:ext uri="{BB962C8B-B14F-4D97-AF65-F5344CB8AC3E}">
+        <p14:creationId xmlns:p14="http://schemas.microsoft.com/office/powerpoint/2010/main" val="3307529958"/>
+      </p:ext>
+    </p:extLst>
+  </p:cSld>
+  <p:clrMapOvr>
+    <a:masterClrMapping/>
+  </p:clrMapOvr>
+</p:notes>
 </file>
 
 <file path=ppt/slideLayouts/slideLayout1.xml><?xml version="1.0" encoding="utf-8"?>
@@ -319,7 +768,7 @@
           <a:p>
             <a:fld id="{C485584D-7D79-4248-9986-4CA35242F944}" type="datetimeFigureOut">
               <a:rPr lang="en-US" smtClean="0"/>
-              <a:t>12/18/2021</a:t>
+              <a:t>12/19/2021</a:t>
             </a:fld>
             <a:endParaRPr lang="en-US"/>
           </a:p>
@@ -693,7 +1142,7 @@
           <a:p>
             <a:fld id="{C485584D-7D79-4248-9986-4CA35242F944}" type="datetimeFigureOut">
               <a:rPr lang="en-US" smtClean="0"/>
-              <a:t>12/18/2021</a:t>
+              <a:t>12/19/2021</a:t>
             </a:fld>
             <a:endParaRPr lang="en-US"/>
           </a:p>
@@ -903,7 +1352,7 @@
           <a:p>
             <a:fld id="{C485584D-7D79-4248-9986-4CA35242F944}" type="datetimeFigureOut">
               <a:rPr lang="en-US" smtClean="0"/>
-              <a:t>12/18/2021</a:t>
+              <a:t>12/19/2021</a:t>
             </a:fld>
             <a:endParaRPr lang="en-US"/>
           </a:p>
@@ -1102,7 +1551,7 @@
           <a:p>
             <a:fld id="{C485584D-7D79-4248-9986-4CA35242F944}" type="datetimeFigureOut">
               <a:rPr lang="en-US" smtClean="0"/>
-              <a:t>12/18/2021</a:t>
+              <a:t>12/19/2021</a:t>
             </a:fld>
             <a:endParaRPr lang="en-US"/>
           </a:p>
@@ -1215,7 +1664,7 @@
           <a:p>
             <a:fld id="{C485584D-7D79-4248-9986-4CA35242F944}" type="datetimeFigureOut">
               <a:rPr lang="en-US" smtClean="0"/>
-              <a:t>12/18/2021</a:t>
+              <a:t>12/19/2021</a:t>
             </a:fld>
             <a:endParaRPr lang="en-US"/>
           </a:p>
@@ -1951,7 +2400,7 @@
           <a:p>
             <a:fld id="{C485584D-7D79-4248-9986-4CA35242F944}" type="datetimeFigureOut">
               <a:rPr lang="en-US" smtClean="0"/>
-              <a:t>12/18/2021</a:t>
+              <a:t>12/19/2021</a:t>
             </a:fld>
             <a:endParaRPr lang="en-US"/>
           </a:p>
@@ -2367,7 +2816,7 @@
           <a:p>
             <a:fld id="{C485584D-7D79-4248-9986-4CA35242F944}" type="datetimeFigureOut">
               <a:rPr lang="en-US" smtClean="0"/>
-              <a:t>12/18/2021</a:t>
+              <a:t>12/19/2021</a:t>
             </a:fld>
             <a:endParaRPr lang="en-US"/>
           </a:p>
@@ -2508,7 +2957,7 @@
           <a:p>
             <a:fld id="{C485584D-7D79-4248-9986-4CA35242F944}" type="datetimeFigureOut">
               <a:rPr lang="en-US" smtClean="0"/>
-              <a:t>12/18/2021</a:t>
+              <a:t>12/19/2021</a:t>
             </a:fld>
             <a:endParaRPr lang="en-US"/>
           </a:p>
@@ -2621,7 +3070,7 @@
           <a:p>
             <a:fld id="{C485584D-7D79-4248-9986-4CA35242F944}" type="datetimeFigureOut">
               <a:rPr lang="en-US" smtClean="0"/>
-              <a:t>12/18/2021</a:t>
+              <a:t>12/19/2021</a:t>
             </a:fld>
             <a:endParaRPr lang="en-US"/>
           </a:p>
@@ -2934,7 +3383,7 @@
           <a:p>
             <a:fld id="{C485584D-7D79-4248-9986-4CA35242F944}" type="datetimeFigureOut">
               <a:rPr lang="en-US" smtClean="0"/>
-              <a:t>12/18/2021</a:t>
+              <a:t>12/19/2021</a:t>
             </a:fld>
             <a:endParaRPr lang="en-US"/>
           </a:p>
@@ -3226,7 +3675,7 @@
           <a:p>
             <a:fld id="{C485584D-7D79-4248-9986-4CA35242F944}" type="datetimeFigureOut">
               <a:rPr lang="en-US" smtClean="0"/>
-              <a:t>12/18/2021</a:t>
+              <a:t>12/19/2021</a:t>
             </a:fld>
             <a:endParaRPr lang="en-US"/>
           </a:p>
@@ -3510,7 +3959,7 @@
           <a:p>
             <a:fld id="{C485584D-7D79-4248-9986-4CA35242F944}" type="datetimeFigureOut">
               <a:rPr lang="en-US" smtClean="0"/>
-              <a:t>12/18/2021</a:t>
+              <a:t>12/19/2021</a:t>
             </a:fld>
             <a:endParaRPr lang="en-US"/>
           </a:p>
@@ -4609,8 +5058,8 @@
         </p:nvSpPr>
         <p:spPr>
           <a:xfrm>
-            <a:off x="1028700" y="1371601"/>
-            <a:ext cx="10134600" cy="4759644"/>
+            <a:off x="1028700" y="1510747"/>
+            <a:ext cx="10134600" cy="4620497"/>
           </a:xfrm>
         </p:spPr>
         <p:txBody>
@@ -4618,47 +5067,109 @@
           <a:lstStyle/>
           <a:p>
             <a:r>
-              <a:rPr lang="en-US" b="0" i="0" dirty="0">
+              <a:rPr lang="en-US" b="0" i="1" dirty="0">
                 <a:solidFill>
                   <a:srgbClr val="333333"/>
                 </a:solidFill>
                 <a:effectLst/>
                 <a:latin typeface="nyt-imperial"/>
               </a:rPr>
-              <a:t>Americans filed paperwork to start 4.3 million businesses last year, according to </a:t>
-            </a:r>
-            <a:r>
-              <a:rPr lang="en-US" b="0" i="0" dirty="0">
+              <a:t>“Americans filed paperwork to start 4.3 million businesses last year, according to </a:t>
+            </a:r>
+            <a:r>
+              <a:rPr lang="en-US" b="0" i="1" dirty="0">
                 <a:solidFill>
                   <a:srgbClr val="326891"/>
                 </a:solidFill>
                 <a:effectLst/>
                 <a:latin typeface="nyt-imperial"/>
-                <a:hlinkClick r:id="rId2"/>
+                <a:hlinkClick r:id="rId3"/>
               </a:rPr>
               <a:t>data from the Census Bureau</a:t>
             </a:r>
             <a:r>
-              <a:rPr lang="en-US" b="0" i="0" dirty="0">
+              <a:rPr lang="en-US" b="0" i="1" dirty="0">
                 <a:solidFill>
                   <a:srgbClr val="333333"/>
                 </a:solidFill>
                 <a:effectLst/>
                 <a:latin typeface="nyt-imperial"/>
               </a:rPr>
-              <a:t>, a 24 percent increase from the year before and by far the most in the decade and a half that the government has kept track. </a:t>
-            </a:r>
-            <a:r>
-              <a:rPr lang="en-US" b="0" i="0">
+              <a:t>, a 24 percent increase from the year before and by far the most in the decade and a half that the government has kept track. Applications are on a pace to be even higher this year.” – </a:t>
+            </a:r>
+            <a:r>
+              <a:rPr lang="en-US" sz="1400" b="0" i="1" dirty="0">
                 <a:solidFill>
                   <a:srgbClr val="333333"/>
                 </a:solidFill>
                 <a:effectLst/>
                 <a:latin typeface="nyt-imperial"/>
               </a:rPr>
-              <a:t>Applications are on a pace to be even higher this year.</a:t>
-            </a:r>
-            <a:endParaRPr lang="en-US" dirty="0"/>
+              <a:t>New York Times (</a:t>
+            </a:r>
+            <a:r>
+              <a:rPr lang="en-US" sz="1400" b="0" i="1" dirty="0">
+                <a:solidFill>
+                  <a:srgbClr val="333333"/>
+                </a:solidFill>
+                <a:effectLst/>
+                <a:latin typeface="nyt-imperial"/>
+                <a:hlinkClick r:id="rId4"/>
+              </a:rPr>
+              <a:t>https://www.nytimes.com/2021/08/19/business/startup-business-creation-pandemic.html</a:t>
+            </a:r>
+            <a:r>
+              <a:rPr lang="en-US" sz="1400" b="0" i="1" dirty="0">
+                <a:solidFill>
+                  <a:srgbClr val="333333"/>
+                </a:solidFill>
+                <a:effectLst/>
+                <a:latin typeface="nyt-imperial"/>
+              </a:rPr>
+              <a:t>)</a:t>
+            </a:r>
+          </a:p>
+          <a:p>
+            <a:endParaRPr lang="en-US" sz="1400" i="1" dirty="0">
+              <a:solidFill>
+                <a:srgbClr val="333333"/>
+              </a:solidFill>
+              <a:latin typeface="nyt-imperial"/>
+            </a:endParaRPr>
+          </a:p>
+          <a:p>
+            <a:r>
+              <a:rPr lang="en-US" dirty="0">
+                <a:latin typeface="nyt-imperial"/>
+              </a:rPr>
+              <a:t>In 2020, there were 12,753 new business applications submitted in Davidson County, up 18.48% from 2019. (</a:t>
+            </a:r>
+            <a:r>
+              <a:rPr lang="en-US" dirty="0">
+                <a:latin typeface="nyt-imperial"/>
+                <a:hlinkClick r:id="rId3"/>
+              </a:rPr>
+              <a:t>https://www.census.gov/econ/bfs/index.html</a:t>
+            </a:r>
+            <a:r>
+              <a:rPr lang="en-US" dirty="0">
+                <a:latin typeface="nyt-imperial"/>
+              </a:rPr>
+              <a:t>)</a:t>
+            </a:r>
+          </a:p>
+          <a:p>
+            <a:endParaRPr lang="en-US" dirty="0">
+              <a:latin typeface="nyt-imperial"/>
+            </a:endParaRPr>
+          </a:p>
+          <a:p>
+            <a:r>
+              <a:rPr lang="en-US" dirty="0">
+                <a:latin typeface="nyt-imperial"/>
+              </a:rPr>
+              <a:t>Black-owned businesses make up 7.9% of all businesses in Davidson County (https://overheardonconferencecalls.com/business/best-cities-for-black-owned-businesses/</a:t>
+            </a:r>
           </a:p>
         </p:txBody>
       </p:sp>
@@ -5031,8 +5542,13 @@
             </a:pPr>
             <a:r>
               <a:rPr lang="en-US" dirty="0"/>
-              <a:t>Performed a spatial join between the Census dataframe and the businesses dataframe to get only businesses in  </a:t>
-            </a:r>
+              <a:t>Performed a spatial join between the Census dataframe and the businesses dataframe to get only businesses within the tracks with a predominantly </a:t>
+            </a:r>
+            <a:r>
+              <a:rPr lang="en-US"/>
+              <a:t>black population.</a:t>
+            </a:r>
+            <a:endParaRPr lang="en-US" dirty="0"/>
           </a:p>
         </p:txBody>
       </p:sp>
@@ -5040,6 +5556,358 @@
     <p:extLst>
       <p:ext uri="{BB962C8B-B14F-4D97-AF65-F5344CB8AC3E}">
         <p14:creationId xmlns:p14="http://schemas.microsoft.com/office/powerpoint/2010/main" val="2277109138"/>
+      </p:ext>
+    </p:extLst>
+  </p:cSld>
+  <p:clrMapOvr>
+    <a:masterClrMapping/>
+  </p:clrMapOvr>
+</p:sld>
+</file>
+
+<file path=ppt/slides/slide5.xml><?xml version="1.0" encoding="utf-8"?>
+<p:sld xmlns:a="http://schemas.openxmlformats.org/drawingml/2006/main" xmlns:r="http://schemas.openxmlformats.org/officeDocument/2006/relationships" xmlns:p="http://schemas.openxmlformats.org/presentationml/2006/main">
+  <p:cSld>
+    <p:bg>
+      <p:bgPr>
+        <a:solidFill>
+          <a:schemeClr val="bg1"/>
+        </a:solidFill>
+        <a:effectLst/>
+      </p:bgPr>
+    </p:bg>
+    <p:spTree>
+      <p:nvGrpSpPr>
+        <p:cNvPr id="1" name=""/>
+        <p:cNvGrpSpPr/>
+        <p:nvPr/>
+      </p:nvGrpSpPr>
+      <p:grpSpPr>
+        <a:xfrm>
+          <a:off x="0" y="0"/>
+          <a:ext cx="0" cy="0"/>
+          <a:chOff x="0" y="0"/>
+          <a:chExt cx="0" cy="0"/>
+        </a:xfrm>
+      </p:grpSpPr>
+      <p:sp>
+        <p:nvSpPr>
+          <p:cNvPr id="10" name="Freeform: Shape 9">
+            <a:extLst>
+              <a:ext uri="{FF2B5EF4-FFF2-40B4-BE49-F238E27FC236}">
+                <a16:creationId xmlns:a16="http://schemas.microsoft.com/office/drawing/2014/main" id="{9EB54D17-3792-403D-9127-495845021D2B}"/>
+              </a:ext>
+              <a:ext uri="{C183D7F6-B498-43B3-948B-1728B52AA6E4}">
+                <adec:decorative xmlns:adec="http://schemas.microsoft.com/office/drawing/2017/decorative" val="1"/>
+              </a:ext>
+            </a:extLst>
+          </p:cNvPr>
+          <p:cNvSpPr>
+            <a:spLocks noGrp="1" noRot="1" noChangeAspect="1" noMove="1" noResize="1" noEditPoints="1" noAdjustHandles="1" noChangeArrowheads="1" noChangeShapeType="1" noTextEdit="1"/>
+          </p:cNvSpPr>
+          <p:nvPr>
+            <p:extLst>
+              <p:ext uri="{386F3935-93C4-4BCD-93E2-E3B085C9AB24}">
+                <p16:designElem xmlns:p16="http://schemas.microsoft.com/office/powerpoint/2015/main" val="1"/>
+              </p:ext>
+            </p:extLst>
+          </p:nvPr>
+        </p:nvSpPr>
+        <p:spPr>
+          <a:xfrm>
+            <a:off x="0" y="0"/>
+            <a:ext cx="12192000" cy="6858000"/>
+          </a:xfrm>
+          <a:custGeom>
+            <a:avLst/>
+            <a:gdLst>
+              <a:gd name="connsiteX0" fmla="*/ 160920 w 12192000"/>
+              <a:gd name="connsiteY0" fmla="*/ 157606 h 6858000"/>
+              <a:gd name="connsiteX1" fmla="*/ 160920 w 12192000"/>
+              <a:gd name="connsiteY1" fmla="*/ 6700394 h 6858000"/>
+              <a:gd name="connsiteX2" fmla="*/ 12031081 w 12192000"/>
+              <a:gd name="connsiteY2" fmla="*/ 6700394 h 6858000"/>
+              <a:gd name="connsiteX3" fmla="*/ 12031081 w 12192000"/>
+              <a:gd name="connsiteY3" fmla="*/ 157606 h 6858000"/>
+              <a:gd name="connsiteX4" fmla="*/ 0 w 12192000"/>
+              <a:gd name="connsiteY4" fmla="*/ 0 h 6858000"/>
+              <a:gd name="connsiteX5" fmla="*/ 12192000 w 12192000"/>
+              <a:gd name="connsiteY5" fmla="*/ 0 h 6858000"/>
+              <a:gd name="connsiteX6" fmla="*/ 12192000 w 12192000"/>
+              <a:gd name="connsiteY6" fmla="*/ 6858000 h 6858000"/>
+              <a:gd name="connsiteX7" fmla="*/ 0 w 12192000"/>
+              <a:gd name="connsiteY7" fmla="*/ 6858000 h 6858000"/>
+            </a:gdLst>
+            <a:ahLst/>
+            <a:cxnLst>
+              <a:cxn ang="0">
+                <a:pos x="connsiteX0" y="connsiteY0"/>
+              </a:cxn>
+              <a:cxn ang="0">
+                <a:pos x="connsiteX1" y="connsiteY1"/>
+              </a:cxn>
+              <a:cxn ang="0">
+                <a:pos x="connsiteX2" y="connsiteY2"/>
+              </a:cxn>
+              <a:cxn ang="0">
+                <a:pos x="connsiteX3" y="connsiteY3"/>
+              </a:cxn>
+              <a:cxn ang="0">
+                <a:pos x="connsiteX4" y="connsiteY4"/>
+              </a:cxn>
+              <a:cxn ang="0">
+                <a:pos x="connsiteX5" y="connsiteY5"/>
+              </a:cxn>
+              <a:cxn ang="0">
+                <a:pos x="connsiteX6" y="connsiteY6"/>
+              </a:cxn>
+              <a:cxn ang="0">
+                <a:pos x="connsiteX7" y="connsiteY7"/>
+              </a:cxn>
+            </a:cxnLst>
+            <a:rect l="l" t="t" r="r" b="b"/>
+            <a:pathLst>
+              <a:path w="12192000" h="6858000">
+                <a:moveTo>
+                  <a:pt x="160920" y="157606"/>
+                </a:moveTo>
+                <a:lnTo>
+                  <a:pt x="160920" y="6700394"/>
+                </a:lnTo>
+                <a:lnTo>
+                  <a:pt x="12031081" y="6700394"/>
+                </a:lnTo>
+                <a:lnTo>
+                  <a:pt x="12031081" y="157606"/>
+                </a:lnTo>
+                <a:close/>
+                <a:moveTo>
+                  <a:pt x="0" y="0"/>
+                </a:moveTo>
+                <a:lnTo>
+                  <a:pt x="12192000" y="0"/>
+                </a:lnTo>
+                <a:lnTo>
+                  <a:pt x="12192000" y="6858000"/>
+                </a:lnTo>
+                <a:lnTo>
+                  <a:pt x="0" y="6858000"/>
+                </a:lnTo>
+                <a:close/>
+              </a:path>
+            </a:pathLst>
+          </a:custGeom>
+          <a:solidFill>
+            <a:schemeClr val="bg2"/>
+          </a:solidFill>
+          <a:ln w="12700" cap="flat" cmpd="sng" algn="ctr">
+            <a:noFill/>
+            <a:prstDash val="solid"/>
+            <a:miter lim="800000"/>
+          </a:ln>
+          <a:effectLst/>
+        </p:spPr>
+        <p:style>
+          <a:lnRef idx="2">
+            <a:schemeClr val="accent1">
+              <a:shade val="50000"/>
+            </a:schemeClr>
+          </a:lnRef>
+          <a:fillRef idx="1">
+            <a:schemeClr val="accent1"/>
+          </a:fillRef>
+          <a:effectRef idx="0">
+            <a:schemeClr val="accent1"/>
+          </a:effectRef>
+          <a:fontRef idx="minor">
+            <a:schemeClr val="lt1"/>
+          </a:fontRef>
+        </p:style>
+        <p:txBody>
+          <a:bodyPr rtlCol="0" anchor="ctr"/>
+          <a:lstStyle/>
+          <a:p>
+            <a:pPr algn="ctr"/>
+            <a:endParaRPr lang="en-US" dirty="0"/>
+          </a:p>
+        </p:txBody>
+      </p:sp>
+      <p:sp useBgFill="1">
+        <p:nvSpPr>
+          <p:cNvPr id="12" name="Rectangle 11">
+            <a:extLst>
+              <a:ext uri="{FF2B5EF4-FFF2-40B4-BE49-F238E27FC236}">
+                <a16:creationId xmlns:a16="http://schemas.microsoft.com/office/drawing/2014/main" id="{05FB7726-C6A8-44D0-B179-A65DE454D836}"/>
+              </a:ext>
+              <a:ext uri="{C183D7F6-B498-43B3-948B-1728B52AA6E4}">
+                <adec:decorative xmlns:adec="http://schemas.microsoft.com/office/drawing/2017/decorative" val="1"/>
+              </a:ext>
+            </a:extLst>
+          </p:cNvPr>
+          <p:cNvSpPr>
+            <a:spLocks noGrp="1" noRot="1" noChangeAspect="1" noMove="1" noResize="1" noEditPoints="1" noAdjustHandles="1" noChangeArrowheads="1" noChangeShapeType="1" noTextEdit="1"/>
+          </p:cNvSpPr>
+          <p:nvPr>
+            <p:extLst>
+              <p:ext uri="{386F3935-93C4-4BCD-93E2-E3B085C9AB24}">
+                <p16:designElem xmlns:p16="http://schemas.microsoft.com/office/powerpoint/2015/main" val="1"/>
+              </p:ext>
+            </p:extLst>
+          </p:nvPr>
+        </p:nvSpPr>
+        <p:spPr>
+          <a:xfrm>
+            <a:off x="0" y="0"/>
+            <a:ext cx="12192000" cy="6858000"/>
+          </a:xfrm>
+          <a:prstGeom prst="rect">
+            <a:avLst/>
+          </a:prstGeom>
+          <a:ln w="12700" cap="flat" cmpd="sng" algn="ctr">
+            <a:noFill/>
+            <a:prstDash val="solid"/>
+            <a:miter lim="800000"/>
+          </a:ln>
+          <a:effectLst/>
+          <a:extLst>
+            <a:ext uri="{91240B29-F687-4F45-9708-019B960494DF}">
+              <a14:hiddenLine xmlns:a14="http://schemas.microsoft.com/office/drawing/2010/main" w="12700" cap="flat" cmpd="sng" algn="ctr">
+                <a:solidFill>
+                  <a:schemeClr val="accent1">
+                    <a:shade val="50000"/>
+                  </a:schemeClr>
+                </a:solidFill>
+                <a:prstDash val="solid"/>
+                <a:miter lim="800000"/>
+              </a14:hiddenLine>
+            </a:ext>
+          </a:extLst>
+        </p:spPr>
+        <p:style>
+          <a:lnRef idx="2">
+            <a:schemeClr val="accent1">
+              <a:shade val="50000"/>
+            </a:schemeClr>
+          </a:lnRef>
+          <a:fillRef idx="1">
+            <a:schemeClr val="accent1"/>
+          </a:fillRef>
+          <a:effectRef idx="0">
+            <a:schemeClr val="accent1"/>
+          </a:effectRef>
+          <a:fontRef idx="minor">
+            <a:schemeClr val="lt1"/>
+          </a:fontRef>
+        </p:style>
+        <p:txBody>
+          <a:bodyPr rtlCol="0" anchor="ctr"/>
+          <a:lstStyle/>
+          <a:p>
+            <a:pPr algn="ctr"/>
+            <a:endParaRPr lang="en-US" dirty="0"/>
+          </a:p>
+        </p:txBody>
+      </p:sp>
+      <p:pic>
+        <p:nvPicPr>
+          <p:cNvPr id="8" name="Picture 7" descr="Chart, bar chart&#10;&#10;Description automatically generated">
+            <a:extLst>
+              <a:ext uri="{FF2B5EF4-FFF2-40B4-BE49-F238E27FC236}">
+                <a16:creationId xmlns:a16="http://schemas.microsoft.com/office/drawing/2014/main" id="{EFD848AA-8765-4F48-BDAA-73AE0B9B12BD}"/>
+              </a:ext>
+            </a:extLst>
+          </p:cNvPr>
+          <p:cNvPicPr>
+            <a:picLocks noChangeAspect="1"/>
+          </p:cNvPicPr>
+          <p:nvPr/>
+        </p:nvPicPr>
+        <p:blipFill>
+          <a:blip r:embed="rId2">
+            <a:extLst>
+              <a:ext uri="{28A0092B-C50C-407E-A947-70E740481C1C}">
+                <a14:useLocalDpi xmlns:a14="http://schemas.microsoft.com/office/drawing/2010/main" val="0"/>
+              </a:ext>
+            </a:extLst>
+          </a:blip>
+          <a:stretch>
+            <a:fillRect/>
+          </a:stretch>
+        </p:blipFill>
+        <p:spPr>
+          <a:xfrm>
+            <a:off x="77421" y="589279"/>
+            <a:ext cx="12037158" cy="5679442"/>
+          </a:xfrm>
+          <a:prstGeom prst="rect">
+            <a:avLst/>
+          </a:prstGeom>
+        </p:spPr>
+      </p:pic>
+    </p:spTree>
+    <p:extLst>
+      <p:ext uri="{BB962C8B-B14F-4D97-AF65-F5344CB8AC3E}">
+        <p14:creationId xmlns:p14="http://schemas.microsoft.com/office/powerpoint/2010/main" val="2908708605"/>
+      </p:ext>
+    </p:extLst>
+  </p:cSld>
+  <p:clrMapOvr>
+    <a:masterClrMapping/>
+  </p:clrMapOvr>
+</p:sld>
+</file>
+
+<file path=ppt/slides/slide6.xml><?xml version="1.0" encoding="utf-8"?>
+<p:sld xmlns:a="http://schemas.openxmlformats.org/drawingml/2006/main" xmlns:r="http://schemas.openxmlformats.org/officeDocument/2006/relationships" xmlns:p="http://schemas.openxmlformats.org/presentationml/2006/main">
+  <p:cSld>
+    <p:spTree>
+      <p:nvGrpSpPr>
+        <p:cNvPr id="1" name=""/>
+        <p:cNvGrpSpPr/>
+        <p:nvPr/>
+      </p:nvGrpSpPr>
+      <p:grpSpPr>
+        <a:xfrm>
+          <a:off x="0" y="0"/>
+          <a:ext cx="0" cy="0"/>
+          <a:chOff x="0" y="0"/>
+          <a:chExt cx="0" cy="0"/>
+        </a:xfrm>
+      </p:grpSpPr>
+      <p:pic>
+        <p:nvPicPr>
+          <p:cNvPr id="5" name="Picture 4">
+            <a:extLst>
+              <a:ext uri="{FF2B5EF4-FFF2-40B4-BE49-F238E27FC236}">
+                <a16:creationId xmlns:a16="http://schemas.microsoft.com/office/drawing/2014/main" id="{AAD1003B-A9D8-4BAA-9F7C-D3FD8ED84299}"/>
+              </a:ext>
+            </a:extLst>
+          </p:cNvPr>
+          <p:cNvPicPr>
+            <a:picLocks noChangeAspect="1"/>
+          </p:cNvPicPr>
+          <p:nvPr/>
+        </p:nvPicPr>
+        <p:blipFill>
+          <a:blip r:embed="rId2"/>
+          <a:stretch>
+            <a:fillRect/>
+          </a:stretch>
+        </p:blipFill>
+        <p:spPr>
+          <a:xfrm>
+            <a:off x="876300" y="266700"/>
+            <a:ext cx="10439400" cy="6324600"/>
+          </a:xfrm>
+          <a:prstGeom prst="rect">
+            <a:avLst/>
+          </a:prstGeom>
+        </p:spPr>
+      </p:pic>
+    </p:spTree>
+    <p:extLst>
+      <p:ext uri="{BB962C8B-B14F-4D97-AF65-F5344CB8AC3E}">
+        <p14:creationId xmlns:p14="http://schemas.microsoft.com/office/powerpoint/2010/main" val="4179085369"/>
       </p:ext>
     </p:extLst>
   </p:cSld>
@@ -5248,4 +6116,299 @@
     </a:ext>
   </a:extLst>
 </a:theme>
+</file>
+
+<file path=ppt/theme/theme2.xml><?xml version="1.0" encoding="utf-8"?>
+<a:theme xmlns:a="http://schemas.openxmlformats.org/drawingml/2006/main" name="Office Theme">
+  <a:themeElements>
+    <a:clrScheme name="Office">
+      <a:dk1>
+        <a:sysClr val="windowText" lastClr="000000"/>
+      </a:dk1>
+      <a:lt1>
+        <a:sysClr val="window" lastClr="FFFFFF"/>
+      </a:lt1>
+      <a:dk2>
+        <a:srgbClr val="44546A"/>
+      </a:dk2>
+      <a:lt2>
+        <a:srgbClr val="E7E6E6"/>
+      </a:lt2>
+      <a:accent1>
+        <a:srgbClr val="4472C4"/>
+      </a:accent1>
+      <a:accent2>
+        <a:srgbClr val="ED7D31"/>
+      </a:accent2>
+      <a:accent3>
+        <a:srgbClr val="A5A5A5"/>
+      </a:accent3>
+      <a:accent4>
+        <a:srgbClr val="FFC000"/>
+      </a:accent4>
+      <a:accent5>
+        <a:srgbClr val="5B9BD5"/>
+      </a:accent5>
+      <a:accent6>
+        <a:srgbClr val="70AD47"/>
+      </a:accent6>
+      <a:hlink>
+        <a:srgbClr val="0563C1"/>
+      </a:hlink>
+      <a:folHlink>
+        <a:srgbClr val="954F72"/>
+      </a:folHlink>
+    </a:clrScheme>
+    <a:fontScheme name="Office">
+      <a:majorFont>
+        <a:latin typeface="Calibri Light" panose="020F0302020204030204"/>
+        <a:ea typeface=""/>
+        <a:cs typeface=""/>
+        <a:font script="Jpan" typeface="游ゴシック Light"/>
+        <a:font script="Hang" typeface="맑은 고딕"/>
+        <a:font script="Hans" typeface="等线 Light"/>
+        <a:font script="Hant" typeface="新細明體"/>
+        <a:font script="Arab" typeface="Times New Roman"/>
+        <a:font script="Hebr" typeface="Times New Roman"/>
+        <a:font script="Thai" typeface="Angsana New"/>
+        <a:font script="Ethi" typeface="Nyala"/>
+        <a:font script="Beng" typeface="Vrinda"/>
+        <a:font script="Gujr" typeface="Shruti"/>
+        <a:font script="Khmr" typeface="MoolBoran"/>
+        <a:font script="Knda" typeface="Tunga"/>
+        <a:font script="Guru" typeface="Raavi"/>
+        <a:font script="Cans" typeface="Euphemia"/>
+        <a:font script="Cher" typeface="Plantagenet Cherokee"/>
+        <a:font script="Yiii" typeface="Microsoft Yi Baiti"/>
+        <a:font script="Tibt" typeface="Microsoft Himalaya"/>
+        <a:font script="Thaa" typeface="MV Boli"/>
+        <a:font script="Deva" typeface="Mangal"/>
+        <a:font script="Telu" typeface="Gautami"/>
+        <a:font script="Taml" typeface="Latha"/>
+        <a:font script="Syrc" typeface="Estrangelo Edessa"/>
+        <a:font script="Orya" typeface="Kalinga"/>
+        <a:font script="Mlym" typeface="Kartika"/>
+        <a:font script="Laoo" typeface="DokChampa"/>
+        <a:font script="Sinh" typeface="Iskoola Pota"/>
+        <a:font script="Mong" typeface="Mongolian Baiti"/>
+        <a:font script="Viet" typeface="Times New Roman"/>
+        <a:font script="Uigh" typeface="Microsoft Uighur"/>
+        <a:font script="Geor" typeface="Sylfaen"/>
+        <a:font script="Armn" typeface="Arial"/>
+        <a:font script="Bugi" typeface="Leelawadee UI"/>
+        <a:font script="Bopo" typeface="Microsoft JhengHei"/>
+        <a:font script="Java" typeface="Javanese Text"/>
+        <a:font script="Lisu" typeface="Segoe UI"/>
+        <a:font script="Mymr" typeface="Myanmar Text"/>
+        <a:font script="Nkoo" typeface="Ebrima"/>
+        <a:font script="Olck" typeface="Nirmala UI"/>
+        <a:font script="Osma" typeface="Ebrima"/>
+        <a:font script="Phag" typeface="Phagspa"/>
+        <a:font script="Syrn" typeface="Estrangelo Edessa"/>
+        <a:font script="Syrj" typeface="Estrangelo Edessa"/>
+        <a:font script="Syre" typeface="Estrangelo Edessa"/>
+        <a:font script="Sora" typeface="Nirmala UI"/>
+        <a:font script="Tale" typeface="Microsoft Tai Le"/>
+        <a:font script="Talu" typeface="Microsoft New Tai Lue"/>
+        <a:font script="Tfng" typeface="Ebrima"/>
+      </a:majorFont>
+      <a:minorFont>
+        <a:latin typeface="Calibri" panose="020F0502020204030204"/>
+        <a:ea typeface=""/>
+        <a:cs typeface=""/>
+        <a:font script="Jpan" typeface="游ゴシック"/>
+        <a:font script="Hang" typeface="맑은 고딕"/>
+        <a:font script="Hans" typeface="等线"/>
+        <a:font script="Hant" typeface="新細明體"/>
+        <a:font script="Arab" typeface="Arial"/>
+        <a:font script="Hebr" typeface="Arial"/>
+        <a:font script="Thai" typeface="Cordia New"/>
+        <a:font script="Ethi" typeface="Nyala"/>
+        <a:font script="Beng" typeface="Vrinda"/>
+        <a:font script="Gujr" typeface="Shruti"/>
+        <a:font script="Khmr" typeface="DaunPenh"/>
+        <a:font script="Knda" typeface="Tunga"/>
+        <a:font script="Guru" typeface="Raavi"/>
+        <a:font script="Cans" typeface="Euphemia"/>
+        <a:font script="Cher" typeface="Plantagenet Cherokee"/>
+        <a:font script="Yiii" typeface="Microsoft Yi Baiti"/>
+        <a:font script="Tibt" typeface="Microsoft Himalaya"/>
+        <a:font script="Thaa" typeface="MV Boli"/>
+        <a:font script="Deva" typeface="Mangal"/>
+        <a:font script="Telu" typeface="Gautami"/>
+        <a:font script="Taml" typeface="Latha"/>
+        <a:font script="Syrc" typeface="Estrangelo Edessa"/>
+        <a:font script="Orya" typeface="Kalinga"/>
+        <a:font script="Mlym" typeface="Kartika"/>
+        <a:font script="Laoo" typeface="DokChampa"/>
+        <a:font script="Sinh" typeface="Iskoola Pota"/>
+        <a:font script="Mong" typeface="Mongolian Baiti"/>
+        <a:font script="Viet" typeface="Arial"/>
+        <a:font script="Uigh" typeface="Microsoft Uighur"/>
+        <a:font script="Geor" typeface="Sylfaen"/>
+        <a:font script="Armn" typeface="Arial"/>
+        <a:font script="Bugi" typeface="Leelawadee UI"/>
+        <a:font script="Bopo" typeface="Microsoft JhengHei"/>
+        <a:font script="Java" typeface="Javanese Text"/>
+        <a:font script="Lisu" typeface="Segoe UI"/>
+        <a:font script="Mymr" typeface="Myanmar Text"/>
+        <a:font script="Nkoo" typeface="Ebrima"/>
+        <a:font script="Olck" typeface="Nirmala UI"/>
+        <a:font script="Osma" typeface="Ebrima"/>
+        <a:font script="Phag" typeface="Phagspa"/>
+        <a:font script="Syrn" typeface="Estrangelo Edessa"/>
+        <a:font script="Syrj" typeface="Estrangelo Edessa"/>
+        <a:font script="Syre" typeface="Estrangelo Edessa"/>
+        <a:font script="Sora" typeface="Nirmala UI"/>
+        <a:font script="Tale" typeface="Microsoft Tai Le"/>
+        <a:font script="Talu" typeface="Microsoft New Tai Lue"/>
+        <a:font script="Tfng" typeface="Ebrima"/>
+      </a:minorFont>
+    </a:fontScheme>
+    <a:fmtScheme name="Office">
+      <a:fillStyleLst>
+        <a:solidFill>
+          <a:schemeClr val="phClr"/>
+        </a:solidFill>
+        <a:gradFill rotWithShape="1">
+          <a:gsLst>
+            <a:gs pos="0">
+              <a:schemeClr val="phClr">
+                <a:lumMod val="110000"/>
+                <a:satMod val="105000"/>
+                <a:tint val="67000"/>
+              </a:schemeClr>
+            </a:gs>
+            <a:gs pos="50000">
+              <a:schemeClr val="phClr">
+                <a:lumMod val="105000"/>
+                <a:satMod val="103000"/>
+                <a:tint val="73000"/>
+              </a:schemeClr>
+            </a:gs>
+            <a:gs pos="100000">
+              <a:schemeClr val="phClr">
+                <a:lumMod val="105000"/>
+                <a:satMod val="109000"/>
+                <a:tint val="81000"/>
+              </a:schemeClr>
+            </a:gs>
+          </a:gsLst>
+          <a:lin ang="5400000" scaled="0"/>
+        </a:gradFill>
+        <a:gradFill rotWithShape="1">
+          <a:gsLst>
+            <a:gs pos="0">
+              <a:schemeClr val="phClr">
+                <a:satMod val="103000"/>
+                <a:lumMod val="102000"/>
+                <a:tint val="94000"/>
+              </a:schemeClr>
+            </a:gs>
+            <a:gs pos="50000">
+              <a:schemeClr val="phClr">
+                <a:satMod val="110000"/>
+                <a:lumMod val="100000"/>
+                <a:shade val="100000"/>
+              </a:schemeClr>
+            </a:gs>
+            <a:gs pos="100000">
+              <a:schemeClr val="phClr">
+                <a:lumMod val="99000"/>
+                <a:satMod val="120000"/>
+                <a:shade val="78000"/>
+              </a:schemeClr>
+            </a:gs>
+          </a:gsLst>
+          <a:lin ang="5400000" scaled="0"/>
+        </a:gradFill>
+      </a:fillStyleLst>
+      <a:lnStyleLst>
+        <a:ln w="6350" cap="flat" cmpd="sng" algn="ctr">
+          <a:solidFill>
+            <a:schemeClr val="phClr"/>
+          </a:solidFill>
+          <a:prstDash val="solid"/>
+          <a:miter lim="800000"/>
+        </a:ln>
+        <a:ln w="12700" cap="flat" cmpd="sng" algn="ctr">
+          <a:solidFill>
+            <a:schemeClr val="phClr"/>
+          </a:solidFill>
+          <a:prstDash val="solid"/>
+          <a:miter lim="800000"/>
+        </a:ln>
+        <a:ln w="19050" cap="flat" cmpd="sng" algn="ctr">
+          <a:solidFill>
+            <a:schemeClr val="phClr"/>
+          </a:solidFill>
+          <a:prstDash val="solid"/>
+          <a:miter lim="800000"/>
+        </a:ln>
+      </a:lnStyleLst>
+      <a:effectStyleLst>
+        <a:effectStyle>
+          <a:effectLst/>
+        </a:effectStyle>
+        <a:effectStyle>
+          <a:effectLst/>
+        </a:effectStyle>
+        <a:effectStyle>
+          <a:effectLst>
+            <a:outerShdw blurRad="57150" dist="19050" dir="5400000" algn="ctr" rotWithShape="0">
+              <a:srgbClr val="000000">
+                <a:alpha val="63000"/>
+              </a:srgbClr>
+            </a:outerShdw>
+          </a:effectLst>
+        </a:effectStyle>
+      </a:effectStyleLst>
+      <a:bgFillStyleLst>
+        <a:solidFill>
+          <a:schemeClr val="phClr"/>
+        </a:solidFill>
+        <a:solidFill>
+          <a:schemeClr val="phClr">
+            <a:tint val="95000"/>
+            <a:satMod val="170000"/>
+          </a:schemeClr>
+        </a:solidFill>
+        <a:gradFill rotWithShape="1">
+          <a:gsLst>
+            <a:gs pos="0">
+              <a:schemeClr val="phClr">
+                <a:tint val="93000"/>
+                <a:satMod val="150000"/>
+                <a:shade val="98000"/>
+                <a:lumMod val="102000"/>
+              </a:schemeClr>
+            </a:gs>
+            <a:gs pos="50000">
+              <a:schemeClr val="phClr">
+                <a:tint val="98000"/>
+                <a:satMod val="130000"/>
+                <a:shade val="90000"/>
+                <a:lumMod val="103000"/>
+              </a:schemeClr>
+            </a:gs>
+            <a:gs pos="100000">
+              <a:schemeClr val="phClr">
+                <a:shade val="63000"/>
+                <a:satMod val="120000"/>
+              </a:schemeClr>
+            </a:gs>
+          </a:gsLst>
+          <a:lin ang="5400000" scaled="0"/>
+        </a:gradFill>
+      </a:bgFillStyleLst>
+    </a:fmtScheme>
+  </a:themeElements>
+  <a:objectDefaults/>
+  <a:extraClrSchemeLst/>
+  <a:extLst>
+    <a:ext uri="{05A4C25C-085E-4340-85A3-A5531E510DB2}">
+      <thm15:themeFamily xmlns:thm15="http://schemas.microsoft.com/office/thememl/2012/main" name="Office Theme" id="{62F939B6-93AF-4DB8-9C6B-D6C7DFDC589F}" vid="{4A3C46E8-61CC-4603-A589-7422A47A8E4A}"/>
+    </a:ext>
+  </a:extLst>
+</a:theme>
 </file>
--- a/Nashville Businesses in Black Communities.pptx
+++ b/Nashville Businesses in Black Communities.pptx
@@ -5,15 +5,20 @@
     <p:sldMasterId id="2147483775" r:id="rId1"/>
   </p:sldMasterIdLst>
   <p:notesMasterIdLst>
-    <p:notesMasterId r:id="rId8"/>
+    <p:notesMasterId r:id="rId13"/>
   </p:notesMasterIdLst>
   <p:sldIdLst>
     <p:sldId id="256" r:id="rId2"/>
     <p:sldId id="257" r:id="rId3"/>
     <p:sldId id="258" r:id="rId4"/>
     <p:sldId id="259" r:id="rId5"/>
-    <p:sldId id="260" r:id="rId6"/>
-    <p:sldId id="261" r:id="rId7"/>
+    <p:sldId id="263" r:id="rId6"/>
+    <p:sldId id="260" r:id="rId7"/>
+    <p:sldId id="261" r:id="rId8"/>
+    <p:sldId id="264" r:id="rId9"/>
+    <p:sldId id="266" r:id="rId10"/>
+    <p:sldId id="267" r:id="rId11"/>
+    <p:sldId id="265" r:id="rId12"/>
   </p:sldIdLst>
   <p:sldSz cx="12192000" cy="6858000"/>
   <p:notesSz cx="6858000" cy="9144000"/>
@@ -518,7 +523,7 @@
           <a:p>
             <a:r>
               <a:rPr lang="en-US" dirty="0"/>
-              <a:t>According to the New York Times, covid times have seen an increase in entrepreneurship and people going into business for themselves. This has largely been due to  </a:t>
+              <a:t>I originally started this project wanting to shed a light on black-owned businesses and the types of businesses in predominantly black communities. As I dug deeper into the data, I found out black-owned businesses make up only 7.9% of all businesses in Davidson County. I also came across a lot of literature about what’s being called “The Great Resignation” – people quitting their jobs and either entering new jobs/fields or going into business for themselves. I found that 4.3 million business applications were filed in 2020, which is the most that have been filed in a decade and a half. In Davidson County alone, 12,753 applications were filed, up about 18.5% from 2019. So, I thought, instead of focusing on only Black-Owned businesses in Black communities, I’d analyze data on the types of businesses in these communities and use that to create a dashboard for community members to see what types of businesses are in their communities. </a:t>
             </a:r>
           </a:p>
         </p:txBody>
@@ -559,8 +564,350 @@
 </p:notes>
 </file>
 
+<file path=ppt/notesSlides/notesSlide2.xml><?xml version="1.0" encoding="utf-8"?>
+<p:notes xmlns:a="http://schemas.openxmlformats.org/drawingml/2006/main" xmlns:r="http://schemas.openxmlformats.org/officeDocument/2006/relationships" xmlns:p="http://schemas.openxmlformats.org/presentationml/2006/main">
+  <p:cSld>
+    <p:spTree>
+      <p:nvGrpSpPr>
+        <p:cNvPr id="1" name=""/>
+        <p:cNvGrpSpPr/>
+        <p:nvPr/>
+      </p:nvGrpSpPr>
+      <p:grpSpPr>
+        <a:xfrm>
+          <a:off x="0" y="0"/>
+          <a:ext cx="0" cy="0"/>
+          <a:chOff x="0" y="0"/>
+          <a:chExt cx="0" cy="0"/>
+        </a:xfrm>
+      </p:grpSpPr>
+      <p:sp>
+        <p:nvSpPr>
+          <p:cNvPr id="2" name="Slide Image Placeholder 1"/>
+          <p:cNvSpPr>
+            <a:spLocks noGrp="1" noRot="1" noChangeAspect="1"/>
+          </p:cNvSpPr>
+          <p:nvPr>
+            <p:ph type="sldImg"/>
+          </p:nvPr>
+        </p:nvSpPr>
+        <p:spPr/>
+      </p:sp>
+      <p:sp>
+        <p:nvSpPr>
+          <p:cNvPr id="3" name="Notes Placeholder 2"/>
+          <p:cNvSpPr>
+            <a:spLocks noGrp="1"/>
+          </p:cNvSpPr>
+          <p:nvPr>
+            <p:ph type="body" idx="1"/>
+          </p:nvPr>
+        </p:nvSpPr>
+        <p:spPr/>
+        <p:txBody>
+          <a:bodyPr/>
+          <a:lstStyle/>
+          <a:p>
+            <a:endParaRPr lang="en-US" dirty="0"/>
+          </a:p>
+        </p:txBody>
+      </p:sp>
+      <p:sp>
+        <p:nvSpPr>
+          <p:cNvPr id="4" name="Slide Number Placeholder 3"/>
+          <p:cNvSpPr>
+            <a:spLocks noGrp="1"/>
+          </p:cNvSpPr>
+          <p:nvPr>
+            <p:ph type="sldNum" sz="quarter" idx="5"/>
+          </p:nvPr>
+        </p:nvSpPr>
+        <p:spPr/>
+        <p:txBody>
+          <a:bodyPr/>
+          <a:lstStyle/>
+          <a:p>
+            <a:fld id="{1C1ED85E-C528-4A4A-84D2-C4CB41DC396C}" type="slidenum">
+              <a:rPr lang="en-US" smtClean="0"/>
+              <a:t>4</a:t>
+            </a:fld>
+            <a:endParaRPr lang="en-US"/>
+          </a:p>
+        </p:txBody>
+      </p:sp>
+    </p:spTree>
+    <p:extLst>
+      <p:ext uri="{BB962C8B-B14F-4D97-AF65-F5344CB8AC3E}">
+        <p14:creationId xmlns:p14="http://schemas.microsoft.com/office/powerpoint/2010/main" val="2967769776"/>
+      </p:ext>
+    </p:extLst>
+  </p:cSld>
+  <p:clrMapOvr>
+    <a:masterClrMapping/>
+  </p:clrMapOvr>
+</p:notes>
+</file>
+
+<file path=ppt/notesSlides/notesSlide3.xml><?xml version="1.0" encoding="utf-8"?>
+<p:notes xmlns:a="http://schemas.openxmlformats.org/drawingml/2006/main" xmlns:r="http://schemas.openxmlformats.org/officeDocument/2006/relationships" xmlns:p="http://schemas.openxmlformats.org/presentationml/2006/main">
+  <p:cSld>
+    <p:spTree>
+      <p:nvGrpSpPr>
+        <p:cNvPr id="1" name=""/>
+        <p:cNvGrpSpPr/>
+        <p:nvPr/>
+      </p:nvGrpSpPr>
+      <p:grpSpPr>
+        <a:xfrm>
+          <a:off x="0" y="0"/>
+          <a:ext cx="0" cy="0"/>
+          <a:chOff x="0" y="0"/>
+          <a:chExt cx="0" cy="0"/>
+        </a:xfrm>
+      </p:grpSpPr>
+      <p:sp>
+        <p:nvSpPr>
+          <p:cNvPr id="2" name="Slide Image Placeholder 1"/>
+          <p:cNvSpPr>
+            <a:spLocks noGrp="1" noRot="1" noChangeAspect="1"/>
+          </p:cNvSpPr>
+          <p:nvPr>
+            <p:ph type="sldImg"/>
+          </p:nvPr>
+        </p:nvSpPr>
+        <p:spPr/>
+      </p:sp>
+      <p:sp>
+        <p:nvSpPr>
+          <p:cNvPr id="3" name="Notes Placeholder 2"/>
+          <p:cNvSpPr>
+            <a:spLocks noGrp="1"/>
+          </p:cNvSpPr>
+          <p:nvPr>
+            <p:ph type="body" idx="1"/>
+          </p:nvPr>
+        </p:nvSpPr>
+        <p:spPr/>
+        <p:txBody>
+          <a:bodyPr/>
+          <a:lstStyle/>
+          <a:p>
+            <a:endParaRPr lang="en-US" dirty="0"/>
+          </a:p>
+        </p:txBody>
+      </p:sp>
+      <p:sp>
+        <p:nvSpPr>
+          <p:cNvPr id="4" name="Slide Number Placeholder 3"/>
+          <p:cNvSpPr>
+            <a:spLocks noGrp="1"/>
+          </p:cNvSpPr>
+          <p:nvPr>
+            <p:ph type="sldNum" sz="quarter" idx="5"/>
+          </p:nvPr>
+        </p:nvSpPr>
+        <p:spPr/>
+        <p:txBody>
+          <a:bodyPr/>
+          <a:lstStyle/>
+          <a:p>
+            <a:fld id="{1C1ED85E-C528-4A4A-84D2-C4CB41DC396C}" type="slidenum">
+              <a:rPr lang="en-US" smtClean="0"/>
+              <a:t>5</a:t>
+            </a:fld>
+            <a:endParaRPr lang="en-US"/>
+          </a:p>
+        </p:txBody>
+      </p:sp>
+    </p:spTree>
+    <p:extLst>
+      <p:ext uri="{BB962C8B-B14F-4D97-AF65-F5344CB8AC3E}">
+        <p14:creationId xmlns:p14="http://schemas.microsoft.com/office/powerpoint/2010/main" val="2885028509"/>
+      </p:ext>
+    </p:extLst>
+  </p:cSld>
+  <p:clrMapOvr>
+    <a:masterClrMapping/>
+  </p:clrMapOvr>
+</p:notes>
+</file>
+
+<file path=ppt/notesSlides/notesSlide4.xml><?xml version="1.0" encoding="utf-8"?>
+<p:notes xmlns:a="http://schemas.openxmlformats.org/drawingml/2006/main" xmlns:r="http://schemas.openxmlformats.org/officeDocument/2006/relationships" xmlns:p="http://schemas.openxmlformats.org/presentationml/2006/main">
+  <p:cSld>
+    <p:spTree>
+      <p:nvGrpSpPr>
+        <p:cNvPr id="1" name=""/>
+        <p:cNvGrpSpPr/>
+        <p:nvPr/>
+      </p:nvGrpSpPr>
+      <p:grpSpPr>
+        <a:xfrm>
+          <a:off x="0" y="0"/>
+          <a:ext cx="0" cy="0"/>
+          <a:chOff x="0" y="0"/>
+          <a:chExt cx="0" cy="0"/>
+        </a:xfrm>
+      </p:grpSpPr>
+      <p:sp>
+        <p:nvSpPr>
+          <p:cNvPr id="2" name="Slide Image Placeholder 1"/>
+          <p:cNvSpPr>
+            <a:spLocks noGrp="1" noRot="1" noChangeAspect="1"/>
+          </p:cNvSpPr>
+          <p:nvPr>
+            <p:ph type="sldImg"/>
+          </p:nvPr>
+        </p:nvSpPr>
+        <p:spPr/>
+      </p:sp>
+      <p:sp>
+        <p:nvSpPr>
+          <p:cNvPr id="3" name="Notes Placeholder 2"/>
+          <p:cNvSpPr>
+            <a:spLocks noGrp="1"/>
+          </p:cNvSpPr>
+          <p:nvPr>
+            <p:ph type="body" idx="1"/>
+          </p:nvPr>
+        </p:nvSpPr>
+        <p:spPr/>
+        <p:txBody>
+          <a:bodyPr/>
+          <a:lstStyle/>
+          <a:p>
+            <a:r>
+              <a:rPr lang="en-US" dirty="0"/>
+              <a:t>Davidson County has 1,497 census tracts total, and of these 25 have a Black or African American population of over 50%. Here is the breakdown. Most of these are in the North – Northwest area of Davidson County, with one outlier being in the Southeast region on the border of Rutherford county. Census tracts don’t have area names, so if you want to see this on a map (next slide)</a:t>
+            </a:r>
+          </a:p>
+        </p:txBody>
+      </p:sp>
+      <p:sp>
+        <p:nvSpPr>
+          <p:cNvPr id="4" name="Slide Number Placeholder 3"/>
+          <p:cNvSpPr>
+            <a:spLocks noGrp="1"/>
+          </p:cNvSpPr>
+          <p:nvPr>
+            <p:ph type="sldNum" sz="quarter" idx="5"/>
+          </p:nvPr>
+        </p:nvSpPr>
+        <p:spPr/>
+        <p:txBody>
+          <a:bodyPr/>
+          <a:lstStyle/>
+          <a:p>
+            <a:fld id="{1C1ED85E-C528-4A4A-84D2-C4CB41DC396C}" type="slidenum">
+              <a:rPr lang="en-US" smtClean="0"/>
+              <a:t>6</a:t>
+            </a:fld>
+            <a:endParaRPr lang="en-US"/>
+          </a:p>
+        </p:txBody>
+      </p:sp>
+    </p:spTree>
+    <p:extLst>
+      <p:ext uri="{BB962C8B-B14F-4D97-AF65-F5344CB8AC3E}">
+        <p14:creationId xmlns:p14="http://schemas.microsoft.com/office/powerpoint/2010/main" val="3278618545"/>
+      </p:ext>
+    </p:extLst>
+  </p:cSld>
+  <p:clrMapOvr>
+    <a:masterClrMapping/>
+  </p:clrMapOvr>
+</p:notes>
+</file>
+
+<file path=ppt/notesSlides/notesSlide5.xml><?xml version="1.0" encoding="utf-8"?>
+<p:notes xmlns:a="http://schemas.openxmlformats.org/drawingml/2006/main" xmlns:r="http://schemas.openxmlformats.org/officeDocument/2006/relationships" xmlns:p="http://schemas.openxmlformats.org/presentationml/2006/main">
+  <p:cSld>
+    <p:spTree>
+      <p:nvGrpSpPr>
+        <p:cNvPr id="1" name=""/>
+        <p:cNvGrpSpPr/>
+        <p:nvPr/>
+      </p:nvGrpSpPr>
+      <p:grpSpPr>
+        <a:xfrm>
+          <a:off x="0" y="0"/>
+          <a:ext cx="0" cy="0"/>
+          <a:chOff x="0" y="0"/>
+          <a:chExt cx="0" cy="0"/>
+        </a:xfrm>
+      </p:grpSpPr>
+      <p:sp>
+        <p:nvSpPr>
+          <p:cNvPr id="2" name="Slide Image Placeholder 1"/>
+          <p:cNvSpPr>
+            <a:spLocks noGrp="1" noRot="1" noChangeAspect="1"/>
+          </p:cNvSpPr>
+          <p:nvPr>
+            <p:ph type="sldImg"/>
+          </p:nvPr>
+        </p:nvSpPr>
+        <p:spPr/>
+      </p:sp>
+      <p:sp>
+        <p:nvSpPr>
+          <p:cNvPr id="3" name="Notes Placeholder 2"/>
+          <p:cNvSpPr>
+            <a:spLocks noGrp="1"/>
+          </p:cNvSpPr>
+          <p:nvPr>
+            <p:ph type="body" idx="1"/>
+          </p:nvPr>
+        </p:nvSpPr>
+        <p:spPr/>
+        <p:txBody>
+          <a:bodyPr/>
+          <a:lstStyle/>
+          <a:p>
+            <a:r>
+              <a:rPr lang="en-US" dirty="0"/>
+              <a:t>Census Tract 148 with a 91% black population is this small one here in the Chestnut Hill area, and Census tract 119 with 52% is right here in the East Nashville Area.</a:t>
+            </a:r>
+          </a:p>
+        </p:txBody>
+      </p:sp>
+      <p:sp>
+        <p:nvSpPr>
+          <p:cNvPr id="4" name="Slide Number Placeholder 3"/>
+          <p:cNvSpPr>
+            <a:spLocks noGrp="1"/>
+          </p:cNvSpPr>
+          <p:nvPr>
+            <p:ph type="sldNum" sz="quarter" idx="5"/>
+          </p:nvPr>
+        </p:nvSpPr>
+        <p:spPr/>
+        <p:txBody>
+          <a:bodyPr/>
+          <a:lstStyle/>
+          <a:p>
+            <a:fld id="{1C1ED85E-C528-4A4A-84D2-C4CB41DC396C}" type="slidenum">
+              <a:rPr lang="en-US" smtClean="0"/>
+              <a:t>7</a:t>
+            </a:fld>
+            <a:endParaRPr lang="en-US"/>
+          </a:p>
+        </p:txBody>
+      </p:sp>
+    </p:spTree>
+    <p:extLst>
+      <p:ext uri="{BB962C8B-B14F-4D97-AF65-F5344CB8AC3E}">
+        <p14:creationId xmlns:p14="http://schemas.microsoft.com/office/powerpoint/2010/main" val="1995962009"/>
+      </p:ext>
+    </p:extLst>
+  </p:cSld>
+  <p:clrMapOvr>
+    <a:masterClrMapping/>
+  </p:clrMapOvr>
+</p:notes>
+</file>
+
 <file path=ppt/slideLayouts/slideLayout1.xml><?xml version="1.0" encoding="utf-8"?>
-<p:sldLayout xmlns:a="http://schemas.openxmlformats.org/drawingml/2006/main" xmlns:r="http://schemas.openxmlformats.org/officeDocument/2006/relationships" xmlns:p="http://schemas.openxmlformats.org/presentationml/2006/main" showMasterSp="0" type="title" preserve="1">
+<p:sldLayout xmlns:a="http://schemas.openxmlformats.org/drawingml/2006/main" xmlns:r="http://schemas.openxmlformats.org/officeDocument/2006/relationships" xmlns:p="http://schemas.openxmlformats.org/presentationml/2006/main" type="title" preserve="1">
   <p:cSld name="Title Slide">
     <p:spTree>
       <p:nvGrpSpPr>
@@ -1625,7 +1972,7 @@
 </file>
 
 <file path=ppt/slideLayouts/slideLayout3.xml><?xml version="1.0" encoding="utf-8"?>
-<p:sldLayout xmlns:a="http://schemas.openxmlformats.org/drawingml/2006/main" xmlns:r="http://schemas.openxmlformats.org/officeDocument/2006/relationships" xmlns:p="http://schemas.openxmlformats.org/presentationml/2006/main" showMasterSp="0" type="secHead" preserve="1">
+<p:sldLayout xmlns:a="http://schemas.openxmlformats.org/drawingml/2006/main" xmlns:r="http://schemas.openxmlformats.org/officeDocument/2006/relationships" xmlns:p="http://schemas.openxmlformats.org/presentationml/2006/main" type="secHead" preserve="1">
   <p:cSld name="Section Header">
     <p:spTree>
       <p:nvGrpSpPr>
@@ -3752,9 +4099,19 @@
 <p:sldMaster xmlns:a="http://schemas.openxmlformats.org/drawingml/2006/main" xmlns:r="http://schemas.openxmlformats.org/officeDocument/2006/relationships" xmlns:p="http://schemas.openxmlformats.org/presentationml/2006/main">
   <p:cSld>
     <p:bg>
-      <p:bgRef idx="1001">
-        <a:schemeClr val="bg1"/>
-      </p:bgRef>
+      <p:bgPr>
+        <a:blipFill dpi="0" rotWithShape="1">
+          <a:blip r:embed="rId13">
+            <a:alphaModFix amt="49000"/>
+            <a:lum/>
+          </a:blip>
+          <a:srcRect/>
+          <a:stretch>
+            <a:fillRect t="-39000" b="-39000"/>
+          </a:stretch>
+        </a:blipFill>
+        <a:effectLst/>
+      </p:bgPr>
     </p:bg>
     <p:spTree>
       <p:nvGrpSpPr>
@@ -4445,14 +4802,6 @@
 <file path=ppt/slides/slide1.xml><?xml version="1.0" encoding="utf-8"?>
 <p:sld xmlns:a="http://schemas.openxmlformats.org/drawingml/2006/main" xmlns:r="http://schemas.openxmlformats.org/officeDocument/2006/relationships" xmlns:p="http://schemas.openxmlformats.org/presentationml/2006/main">
   <p:cSld>
-    <p:bg>
-      <p:bgPr>
-        <a:solidFill>
-          <a:schemeClr val="bg1"/>
-        </a:solidFill>
-        <a:effectLst/>
-      </p:bgPr>
-    </p:bg>
     <p:spTree>
       <p:nvGrpSpPr>
         <p:cNvPr id="1" name=""/>
@@ -4732,7 +5081,7 @@
               </a:lnSpc>
             </a:pPr>
             <a:r>
-              <a:rPr lang="en-US">
+              <a:rPr lang="en-US" dirty="0">
                 <a:solidFill>
                   <a:schemeClr val="bg1"/>
                 </a:solidFill>
@@ -4747,12 +5096,12 @@
               </a:lnSpc>
             </a:pPr>
             <a:r>
-              <a:rPr lang="en-US">
+              <a:rPr lang="en-US" dirty="0">
                 <a:solidFill>
                   <a:schemeClr val="bg1"/>
                 </a:solidFill>
               </a:rPr>
-              <a:t>Data Analyst</a:t>
+              <a:t>DA-5 Cohort</a:t>
             </a:r>
           </a:p>
           <a:p>
@@ -4762,7 +5111,7 @@
               </a:lnSpc>
             </a:pPr>
             <a:r>
-              <a:rPr lang="en-US">
+              <a:rPr lang="en-US" dirty="0">
                 <a:solidFill>
                   <a:schemeClr val="bg1"/>
                 </a:solidFill>
@@ -4989,6 +5338,242 @@
 </p:sld>
 </file>
 
+<file path=ppt/slides/slide10.xml><?xml version="1.0" encoding="utf-8"?>
+<p:sld xmlns:a="http://schemas.openxmlformats.org/drawingml/2006/main" xmlns:r="http://schemas.openxmlformats.org/officeDocument/2006/relationships" xmlns:p="http://schemas.openxmlformats.org/presentationml/2006/main">
+  <p:cSld>
+    <p:spTree>
+      <p:nvGrpSpPr>
+        <p:cNvPr id="1" name=""/>
+        <p:cNvGrpSpPr/>
+        <p:nvPr/>
+      </p:nvGrpSpPr>
+      <p:grpSpPr>
+        <a:xfrm>
+          <a:off x="0" y="0"/>
+          <a:ext cx="0" cy="0"/>
+          <a:chOff x="0" y="0"/>
+          <a:chExt cx="0" cy="0"/>
+        </a:xfrm>
+      </p:grpSpPr>
+      <p:sp>
+        <p:nvSpPr>
+          <p:cNvPr id="2" name="Title 1">
+            <a:extLst>
+              <a:ext uri="{FF2B5EF4-FFF2-40B4-BE49-F238E27FC236}">
+                <a16:creationId xmlns:a16="http://schemas.microsoft.com/office/drawing/2014/main" id="{3CCE162A-F68E-48BE-B1FD-89A84423292F}"/>
+              </a:ext>
+            </a:extLst>
+          </p:cNvPr>
+          <p:cNvSpPr>
+            <a:spLocks noGrp="1"/>
+          </p:cNvSpPr>
+          <p:nvPr>
+            <p:ph type="title"/>
+          </p:nvPr>
+        </p:nvSpPr>
+        <p:spPr/>
+        <p:txBody>
+          <a:bodyPr/>
+          <a:lstStyle/>
+          <a:p>
+            <a:r>
+              <a:rPr lang="en-US" dirty="0">
+                <a:latin typeface="nyt-imperial"/>
+              </a:rPr>
+              <a:t>Top Business Type by Tract</a:t>
+            </a:r>
+          </a:p>
+        </p:txBody>
+      </p:sp>
+      <p:sp>
+        <p:nvSpPr>
+          <p:cNvPr id="3" name="Text Placeholder 2">
+            <a:extLst>
+              <a:ext uri="{FF2B5EF4-FFF2-40B4-BE49-F238E27FC236}">
+                <a16:creationId xmlns:a16="http://schemas.microsoft.com/office/drawing/2014/main" id="{B95651DA-FC9C-4C97-B109-04F6DC98967F}"/>
+              </a:ext>
+            </a:extLst>
+          </p:cNvPr>
+          <p:cNvSpPr>
+            <a:spLocks noGrp="1"/>
+          </p:cNvSpPr>
+          <p:nvPr>
+            <p:ph type="body" idx="1"/>
+          </p:nvPr>
+        </p:nvSpPr>
+        <p:spPr/>
+        <p:txBody>
+          <a:bodyPr/>
+          <a:lstStyle/>
+          <a:p>
+            <a:endParaRPr lang="en-US" dirty="0"/>
+          </a:p>
+        </p:txBody>
+      </p:sp>
+      <p:pic>
+        <p:nvPicPr>
+          <p:cNvPr id="4" name="Picture 3" descr="Table&#10;&#10;Description automatically generated">
+            <a:extLst>
+              <a:ext uri="{FF2B5EF4-FFF2-40B4-BE49-F238E27FC236}">
+                <a16:creationId xmlns:a16="http://schemas.microsoft.com/office/drawing/2014/main" id="{D9DD6286-82F8-442A-BCDF-407CF341EC11}"/>
+              </a:ext>
+            </a:extLst>
+          </p:cNvPr>
+          <p:cNvPicPr>
+            <a:picLocks noChangeAspect="1"/>
+          </p:cNvPicPr>
+          <p:nvPr/>
+        </p:nvPicPr>
+        <p:blipFill rotWithShape="1">
+          <a:blip r:embed="rId2">
+            <a:extLst>
+              <a:ext uri="{28A0092B-C50C-407E-A947-70E740481C1C}">
+                <a14:useLocalDpi xmlns:a14="http://schemas.microsoft.com/office/drawing/2010/main" val="0"/>
+              </a:ext>
+            </a:extLst>
+          </a:blip>
+          <a:srcRect l="-190" t="5113" r="4857"/>
+          <a:stretch/>
+        </p:blipFill>
+        <p:spPr>
+          <a:xfrm>
+            <a:off x="5976621" y="223520"/>
+            <a:ext cx="5085080" cy="6410960"/>
+          </a:xfrm>
+          <a:prstGeom prst="rect">
+            <a:avLst/>
+          </a:prstGeom>
+        </p:spPr>
+      </p:pic>
+    </p:spTree>
+    <p:extLst>
+      <p:ext uri="{BB962C8B-B14F-4D97-AF65-F5344CB8AC3E}">
+        <p14:creationId xmlns:p14="http://schemas.microsoft.com/office/powerpoint/2010/main" val="1708281176"/>
+      </p:ext>
+    </p:extLst>
+  </p:cSld>
+  <p:clrMapOvr>
+    <a:masterClrMapping/>
+  </p:clrMapOvr>
+</p:sld>
+</file>
+
+<file path=ppt/slides/slide11.xml><?xml version="1.0" encoding="utf-8"?>
+<p:sld xmlns:a="http://schemas.openxmlformats.org/drawingml/2006/main" xmlns:r="http://schemas.openxmlformats.org/officeDocument/2006/relationships" xmlns:p="http://schemas.openxmlformats.org/presentationml/2006/main">
+  <p:cSld>
+    <p:spTree>
+      <p:nvGrpSpPr>
+        <p:cNvPr id="1" name=""/>
+        <p:cNvGrpSpPr/>
+        <p:nvPr/>
+      </p:nvGrpSpPr>
+      <p:grpSpPr>
+        <a:xfrm>
+          <a:off x="0" y="0"/>
+          <a:ext cx="0" cy="0"/>
+          <a:chOff x="0" y="0"/>
+          <a:chExt cx="0" cy="0"/>
+        </a:xfrm>
+      </p:grpSpPr>
+      <p:sp>
+        <p:nvSpPr>
+          <p:cNvPr id="2" name="Title 1">
+            <a:extLst>
+              <a:ext uri="{FF2B5EF4-FFF2-40B4-BE49-F238E27FC236}">
+                <a16:creationId xmlns:a16="http://schemas.microsoft.com/office/drawing/2014/main" id="{2F1CD390-C424-4D15-9ED4-255942E9E920}"/>
+              </a:ext>
+            </a:extLst>
+          </p:cNvPr>
+          <p:cNvSpPr>
+            <a:spLocks noGrp="1"/>
+          </p:cNvSpPr>
+          <p:nvPr>
+            <p:ph type="title"/>
+          </p:nvPr>
+        </p:nvSpPr>
+        <p:spPr>
+          <a:xfrm>
+            <a:off x="1028700" y="723901"/>
+            <a:ext cx="10134600" cy="812800"/>
+          </a:xfrm>
+          <a:solidFill>
+            <a:schemeClr val="bg1"/>
+          </a:solidFill>
+        </p:spPr>
+        <p:txBody>
+          <a:bodyPr/>
+          <a:lstStyle/>
+          <a:p>
+            <a:pPr algn="ctr"/>
+            <a:r>
+              <a:rPr lang="en-US" dirty="0">
+                <a:latin typeface="nyt-imperial"/>
+              </a:rPr>
+              <a:t>Conclusions</a:t>
+            </a:r>
+          </a:p>
+        </p:txBody>
+      </p:sp>
+      <p:sp>
+        <p:nvSpPr>
+          <p:cNvPr id="3" name="Content Placeholder 2">
+            <a:extLst>
+              <a:ext uri="{FF2B5EF4-FFF2-40B4-BE49-F238E27FC236}">
+                <a16:creationId xmlns:a16="http://schemas.microsoft.com/office/drawing/2014/main" id="{735F2BBF-CE18-4D3B-B118-EC75E485B0AD}"/>
+              </a:ext>
+            </a:extLst>
+          </p:cNvPr>
+          <p:cNvSpPr>
+            <a:spLocks noGrp="1"/>
+          </p:cNvSpPr>
+          <p:nvPr>
+            <p:ph idx="1"/>
+          </p:nvPr>
+        </p:nvSpPr>
+        <p:spPr>
+          <a:solidFill>
+            <a:schemeClr val="bg1"/>
+          </a:solidFill>
+        </p:spPr>
+        <p:txBody>
+          <a:bodyPr/>
+          <a:lstStyle/>
+          <a:p>
+            <a:r>
+              <a:rPr lang="en-US" dirty="0">
+                <a:latin typeface="nyt-imperial"/>
+              </a:rPr>
+              <a:t>It’s no surprise with Nashville being a major tourist area and medical hub that restaurants and medical services would be high on the list, and the businesses in predominantly Black Communities reflect that. There are also a large amount of gas stations, convenience stores, supply warehouses, bars, and music stores/studios. </a:t>
+            </a:r>
+          </a:p>
+          <a:p>
+            <a:endParaRPr lang="en-US" dirty="0">
+              <a:latin typeface="nyt-imperial"/>
+            </a:endParaRPr>
+          </a:p>
+          <a:p>
+            <a:r>
+              <a:rPr lang="en-US" dirty="0">
+                <a:latin typeface="nyt-imperial"/>
+              </a:rPr>
+              <a:t>There were not a lot of entertainment or attractions. There were also not a lot of book stores, non-profits, or other niche-market businesses. </a:t>
+            </a:r>
+          </a:p>
+        </p:txBody>
+      </p:sp>
+    </p:spTree>
+    <p:extLst>
+      <p:ext uri="{BB962C8B-B14F-4D97-AF65-F5344CB8AC3E}">
+        <p14:creationId xmlns:p14="http://schemas.microsoft.com/office/powerpoint/2010/main" val="3737975511"/>
+      </p:ext>
+    </p:extLst>
+  </p:cSld>
+  <p:clrMapOvr>
+    <a:masterClrMapping/>
+  </p:clrMapOvr>
+</p:sld>
+</file>
+
 <file path=ppt/slides/slide2.xml><?xml version="1.0" encoding="utf-8"?>
 <p:sld xmlns:a="http://schemas.openxmlformats.org/drawingml/2006/main" xmlns:r="http://schemas.openxmlformats.org/officeDocument/2006/relationships" xmlns:p="http://schemas.openxmlformats.org/presentationml/2006/main">
   <p:cSld>
@@ -5027,6 +5612,9 @@
             <a:off x="1028700" y="723901"/>
             <a:ext cx="10134600" cy="647700"/>
           </a:xfrm>
+          <a:solidFill>
+            <a:schemeClr val="bg1"/>
+          </a:solidFill>
         </p:spPr>
         <p:txBody>
           <a:bodyPr/>
@@ -5034,7 +5622,9 @@
           <a:p>
             <a:pPr algn="ctr"/>
             <a:r>
-              <a:rPr lang="en-US" dirty="0"/>
+              <a:rPr lang="en-US" b="1" dirty="0">
+                <a:latin typeface="nyt-imperial"/>
+              </a:rPr>
               <a:t>Motivation</a:t>
             </a:r>
           </a:p>
@@ -5061,13 +5651,49 @@
             <a:off x="1028700" y="1510747"/>
             <a:ext cx="10134600" cy="4620497"/>
           </a:xfrm>
+          <a:solidFill>
+            <a:schemeClr val="bg1"/>
+          </a:solidFill>
         </p:spPr>
         <p:txBody>
-          <a:bodyPr/>
-          <a:lstStyle/>
-          <a:p>
-            <a:r>
-              <a:rPr lang="en-US" b="0" i="1" dirty="0">
+          <a:bodyPr>
+            <a:normAutofit/>
+          </a:bodyPr>
+          <a:lstStyle/>
+          <a:p>
+            <a:endParaRPr lang="en-US" b="1" i="1" dirty="0">
+              <a:solidFill>
+                <a:srgbClr val="333333"/>
+              </a:solidFill>
+              <a:effectLst/>
+              <a:latin typeface="nyt-imperial"/>
+            </a:endParaRPr>
+          </a:p>
+          <a:p>
+            <a:r>
+              <a:rPr lang="en-US" b="1" dirty="0">
+                <a:latin typeface="nyt-imperial"/>
+              </a:rPr>
+              <a:t>Black-owned businesses make up 7.9% of all businesses in Davidson County </a:t>
+            </a:r>
+            <a:r>
+              <a:rPr lang="en-US" sz="1400" b="1" dirty="0">
+                <a:latin typeface="nyt-imperial"/>
+              </a:rPr>
+              <a:t>(https://overheardonconferencecalls.com/business/best-cities-for-black-owned-businesses/)</a:t>
+            </a:r>
+          </a:p>
+          <a:p>
+            <a:endParaRPr lang="en-US" b="1" i="1" dirty="0">
+              <a:solidFill>
+                <a:srgbClr val="333333"/>
+              </a:solidFill>
+              <a:latin typeface="nyt-imperial"/>
+            </a:endParaRPr>
+          </a:p>
+          <a:p>
+            <a:r>
+              <a:rPr lang="en-US" b="1" i="1" dirty="0">
                 <a:solidFill>
                   <a:srgbClr val="333333"/>
                 </a:solidFill>
@@ -5077,7 +5703,7 @@
               <a:t>“Americans filed paperwork to start 4.3 million businesses last year, according to </a:t>
             </a:r>
             <a:r>
-              <a:rPr lang="en-US" b="0" i="1" dirty="0">
+              <a:rPr lang="en-US" b="1" i="1" dirty="0">
                 <a:solidFill>
                   <a:srgbClr val="326891"/>
                 </a:solidFill>
@@ -5088,7 +5714,7 @@
               <a:t>data from the Census Bureau</a:t>
             </a:r>
             <a:r>
-              <a:rPr lang="en-US" b="0" i="1" dirty="0">
+              <a:rPr lang="en-US" b="1" i="1" dirty="0">
                 <a:solidFill>
                   <a:srgbClr val="333333"/>
                 </a:solidFill>
@@ -5098,7 +5724,7 @@
               <a:t>, a 24 percent increase from the year before and by far the most in the decade and a half that the government has kept track. Applications are on a pace to be even higher this year.” – </a:t>
             </a:r>
             <a:r>
-              <a:rPr lang="en-US" sz="1400" b="0" i="1" dirty="0">
+              <a:rPr lang="en-US" sz="1400" b="1" i="1" dirty="0">
                 <a:solidFill>
                   <a:srgbClr val="333333"/>
                 </a:solidFill>
@@ -5108,7 +5734,7 @@
               <a:t>New York Times (</a:t>
             </a:r>
             <a:r>
-              <a:rPr lang="en-US" sz="1400" b="0" i="1" dirty="0">
+              <a:rPr lang="en-US" sz="1400" b="1" i="1" dirty="0">
                 <a:solidFill>
                   <a:srgbClr val="333333"/>
                 </a:solidFill>
@@ -5119,7 +5745,7 @@
               <a:t>https://www.nytimes.com/2021/08/19/business/startup-business-creation-pandemic.html</a:t>
             </a:r>
             <a:r>
-              <a:rPr lang="en-US" sz="1400" b="0" i="1" dirty="0">
+              <a:rPr lang="en-US" sz="1400" b="1" i="1" dirty="0">
                 <a:solidFill>
                   <a:srgbClr val="333333"/>
                 </a:solidFill>
@@ -5130,7 +5756,7 @@
             </a:r>
           </a:p>
           <a:p>
-            <a:endParaRPr lang="en-US" sz="1400" i="1" dirty="0">
+            <a:endParaRPr lang="en-US" sz="1400" b="1" i="1" dirty="0">
               <a:solidFill>
                 <a:srgbClr val="333333"/>
               </a:solidFill>
@@ -5139,37 +5765,35 @@
           </a:p>
           <a:p>
             <a:r>
-              <a:rPr lang="en-US" dirty="0">
+              <a:rPr lang="en-US" b="1" dirty="0">
                 <a:latin typeface="nyt-imperial"/>
               </a:rPr>
-              <a:t>In 2020, there were 12,753 new business applications submitted in Davidson County, up 18.48% from 2019. (</a:t>
-            </a:r>
-            <a:r>
-              <a:rPr lang="en-US" dirty="0">
+              <a:t>In 2020, there were 12,753 new business applications submitted in Davidson County, up 18.48% from 2019. </a:t>
+            </a:r>
+            <a:r>
+              <a:rPr lang="en-US" sz="1400" b="1" dirty="0">
+                <a:latin typeface="nyt-imperial"/>
+              </a:rPr>
+              <a:t>(</a:t>
+            </a:r>
+            <a:r>
+              <a:rPr lang="en-US" sz="1400" b="1" dirty="0">
                 <a:latin typeface="nyt-imperial"/>
                 <a:hlinkClick r:id="rId3"/>
               </a:rPr>
               <a:t>https://www.census.gov/econ/bfs/index.html</a:t>
             </a:r>
             <a:r>
-              <a:rPr lang="en-US" dirty="0">
+              <a:rPr lang="en-US" sz="1400" b="1" dirty="0">
                 <a:latin typeface="nyt-imperial"/>
               </a:rPr>
               <a:t>)</a:t>
             </a:r>
           </a:p>
           <a:p>
-            <a:endParaRPr lang="en-US" dirty="0">
+            <a:endParaRPr lang="en-US" b="1" dirty="0">
               <a:latin typeface="nyt-imperial"/>
             </a:endParaRPr>
-          </a:p>
-          <a:p>
-            <a:r>
-              <a:rPr lang="en-US" dirty="0">
-                <a:latin typeface="nyt-imperial"/>
-              </a:rPr>
-              <a:t>Black-owned businesses make up 7.9% of all businesses in Davidson County (https://overheardonconferencecalls.com/business/best-cities-for-black-owned-businesses/</a:t>
-            </a:r>
           </a:p>
         </p:txBody>
       </p:sp>
@@ -5224,13 +5848,19 @@
             <a:off x="1028700" y="555171"/>
             <a:ext cx="10134600" cy="677281"/>
           </a:xfrm>
+          <a:solidFill>
+            <a:schemeClr val="bg1"/>
+          </a:solidFill>
         </p:spPr>
         <p:txBody>
           <a:bodyPr/>
           <a:lstStyle/>
           <a:p>
-            <a:r>
-              <a:rPr lang="en-US" dirty="0"/>
+            <a:pPr algn="ctr"/>
+            <a:r>
+              <a:rPr lang="en-US" dirty="0">
+                <a:latin typeface="nyt-imperial"/>
+              </a:rPr>
               <a:t>The Data</a:t>
             </a:r>
           </a:p>
@@ -5238,89 +5868,92 @@
       </p:sp>
       <p:sp>
         <p:nvSpPr>
-          <p:cNvPr id="4" name="Text Placeholder 3">
-            <a:extLst>
-              <a:ext uri="{FF2B5EF4-FFF2-40B4-BE49-F238E27FC236}">
-                <a16:creationId xmlns:a16="http://schemas.microsoft.com/office/drawing/2014/main" id="{96487774-E807-49E2-AB82-B80CEFA440BF}"/>
-              </a:ext>
-            </a:extLst>
-          </p:cNvPr>
-          <p:cNvSpPr>
-            <a:spLocks noGrp="1"/>
-          </p:cNvSpPr>
-          <p:nvPr>
-            <p:ph type="body" idx="1"/>
+          <p:cNvPr id="3" name="Content Placeholder 2">
+            <a:extLst>
+              <a:ext uri="{FF2B5EF4-FFF2-40B4-BE49-F238E27FC236}">
+                <a16:creationId xmlns:a16="http://schemas.microsoft.com/office/drawing/2014/main" id="{92F24B3C-D09A-46E0-8985-34DD223CD3E0}"/>
+              </a:ext>
+            </a:extLst>
+          </p:cNvPr>
+          <p:cNvSpPr>
+            <a:spLocks noGrp="1"/>
+          </p:cNvSpPr>
+          <p:nvPr>
+            <p:ph sz="half" idx="2"/>
           </p:nvPr>
         </p:nvSpPr>
         <p:spPr>
           <a:xfrm>
-            <a:off x="1037306" y="1560978"/>
-            <a:ext cx="4849036" cy="814387"/>
+            <a:off x="1037306" y="2006601"/>
+            <a:ext cx="4849036" cy="4127500"/>
           </a:xfrm>
+          <a:solidFill>
+            <a:schemeClr val="bg1"/>
+          </a:solidFill>
         </p:spPr>
         <p:txBody>
-          <a:bodyPr/>
-          <a:lstStyle/>
-          <a:p>
-            <a:r>
-              <a:rPr lang="en-US" dirty="0"/>
-              <a:t>Data Sources</a:t>
-            </a:r>
-          </a:p>
-        </p:txBody>
-      </p:sp>
-      <p:sp>
-        <p:nvSpPr>
-          <p:cNvPr id="3" name="Content Placeholder 2">
-            <a:extLst>
-              <a:ext uri="{FF2B5EF4-FFF2-40B4-BE49-F238E27FC236}">
-                <a16:creationId xmlns:a16="http://schemas.microsoft.com/office/drawing/2014/main" id="{92F24B3C-D09A-46E0-8985-34DD223CD3E0}"/>
-              </a:ext>
-            </a:extLst>
-          </p:cNvPr>
-          <p:cNvSpPr>
-            <a:spLocks noGrp="1"/>
-          </p:cNvSpPr>
-          <p:nvPr>
-            <p:ph sz="half" idx="2"/>
-          </p:nvPr>
-        </p:nvSpPr>
-        <p:spPr/>
-        <p:txBody>
-          <a:bodyPr/>
-          <a:lstStyle/>
-          <a:p>
-            <a:r>
-              <a:rPr lang="en-US" dirty="0"/>
+          <a:bodyPr>
+            <a:normAutofit/>
+          </a:bodyPr>
+          <a:lstStyle/>
+          <a:p>
+            <a:pPr algn="ctr"/>
+            <a:r>
+              <a:rPr lang="en-US" sz="2400" b="1" u="sng" dirty="0">
+                <a:latin typeface="nyt-imperial"/>
+              </a:rPr>
+              <a:t>Data Sources:</a:t>
+            </a:r>
+          </a:p>
+          <a:p>
+            <a:endParaRPr lang="en-US" dirty="0">
+              <a:latin typeface="nyt-imperial"/>
+            </a:endParaRPr>
+          </a:p>
+          <a:p>
+            <a:r>
+              <a:rPr lang="en-US" dirty="0">
+                <a:latin typeface="nyt-imperial"/>
+              </a:rPr>
               <a:t>Census Data: </a:t>
             </a:r>
             <a:r>
               <a:rPr lang="en-US" dirty="0">
+                <a:latin typeface="nyt-imperial"/>
                 <a:hlinkClick r:id="rId2"/>
               </a:rPr>
               <a:t>Census Reporter</a:t>
             </a:r>
             <a:r>
-              <a:rPr lang="en-US" dirty="0"/>
+              <a:rPr lang="en-US" dirty="0">
+                <a:latin typeface="nyt-imperial"/>
+              </a:rPr>
               <a:t>. This website pulls census data from the 2019 5-year American Community Survey</a:t>
             </a:r>
           </a:p>
           <a:p>
-            <a:endParaRPr lang="en-US" dirty="0"/>
-          </a:p>
-          <a:p>
-            <a:r>
-              <a:rPr lang="en-US" dirty="0"/>
+            <a:endParaRPr lang="en-US" dirty="0">
+              <a:latin typeface="nyt-imperial"/>
+            </a:endParaRPr>
+          </a:p>
+          <a:p>
+            <a:r>
+              <a:rPr lang="en-US" dirty="0">
+                <a:latin typeface="nyt-imperial"/>
+              </a:rPr>
               <a:t>Business Data: Google Places API (code heavily adopted from </a:t>
             </a:r>
             <a:r>
               <a:rPr lang="en-US" dirty="0">
+                <a:latin typeface="nyt-imperial"/>
                 <a:hlinkClick r:id="rId3"/>
               </a:rPr>
               <a:t>Nashville Food Deserts</a:t>
             </a:r>
             <a:r>
-              <a:rPr lang="en-US" dirty="0"/>
+              <a:rPr lang="en-US" dirty="0">
+                <a:latin typeface="nyt-imperial"/>
+              </a:rPr>
               <a:t>).</a:t>
             </a:r>
           </a:p>
@@ -5328,79 +5961,67 @@
       </p:sp>
       <p:sp>
         <p:nvSpPr>
-          <p:cNvPr id="5" name="Text Placeholder 4">
-            <a:extLst>
-              <a:ext uri="{FF2B5EF4-FFF2-40B4-BE49-F238E27FC236}">
-                <a16:creationId xmlns:a16="http://schemas.microsoft.com/office/drawing/2014/main" id="{88E65FFB-B503-40C7-A29D-1199592C01E0}"/>
-              </a:ext>
-            </a:extLst>
-          </p:cNvPr>
-          <p:cNvSpPr>
-            <a:spLocks noGrp="1"/>
-          </p:cNvSpPr>
-          <p:nvPr>
-            <p:ph type="body" sz="quarter" idx="3"/>
+          <p:cNvPr id="6" name="Content Placeholder 5">
+            <a:extLst>
+              <a:ext uri="{FF2B5EF4-FFF2-40B4-BE49-F238E27FC236}">
+                <a16:creationId xmlns:a16="http://schemas.microsoft.com/office/drawing/2014/main" id="{02BD6639-18D0-4900-A526-26412734B49D}"/>
+              </a:ext>
+            </a:extLst>
+          </p:cNvPr>
+          <p:cNvSpPr>
+            <a:spLocks noGrp="1"/>
+          </p:cNvSpPr>
+          <p:nvPr>
+            <p:ph sz="quarter" idx="4"/>
           </p:nvPr>
         </p:nvSpPr>
         <p:spPr>
           <a:xfrm>
-            <a:off x="6258715" y="1560978"/>
-            <a:ext cx="4904585" cy="814387"/>
+            <a:off x="6250108" y="2006601"/>
+            <a:ext cx="4904585" cy="4127499"/>
           </a:xfrm>
+          <a:solidFill>
+            <a:schemeClr val="bg1"/>
+          </a:solidFill>
         </p:spPr>
         <p:txBody>
-          <a:bodyPr/>
-          <a:lstStyle/>
-          <a:p>
-            <a:r>
-              <a:rPr lang="en-US" dirty="0"/>
-              <a:t>Tools used</a:t>
-            </a:r>
-          </a:p>
-        </p:txBody>
-      </p:sp>
-      <p:sp>
-        <p:nvSpPr>
-          <p:cNvPr id="6" name="Content Placeholder 5">
-            <a:extLst>
-              <a:ext uri="{FF2B5EF4-FFF2-40B4-BE49-F238E27FC236}">
-                <a16:creationId xmlns:a16="http://schemas.microsoft.com/office/drawing/2014/main" id="{02BD6639-18D0-4900-A526-26412734B49D}"/>
-              </a:ext>
-            </a:extLst>
-          </p:cNvPr>
-          <p:cNvSpPr>
-            <a:spLocks noGrp="1"/>
-          </p:cNvSpPr>
-          <p:nvPr>
-            <p:ph sz="quarter" idx="4"/>
-          </p:nvPr>
-        </p:nvSpPr>
-        <p:spPr/>
-        <p:txBody>
-          <a:bodyPr/>
-          <a:lstStyle/>
-          <a:p>
-            <a:r>
-              <a:rPr lang="en-US" dirty="0"/>
-              <a:t>Excel</a:t>
-            </a:r>
-          </a:p>
-          <a:p>
-            <a:endParaRPr lang="en-US" dirty="0"/>
-          </a:p>
-          <a:p>
-            <a:r>
-              <a:rPr lang="en-US" dirty="0"/>
-              <a:t>Python</a:t>
-            </a:r>
-          </a:p>
-          <a:p>
-            <a:endParaRPr lang="en-US" dirty="0"/>
-          </a:p>
-          <a:p>
-            <a:r>
-              <a:rPr lang="en-US" dirty="0"/>
-              <a:t>Tableau</a:t>
+          <a:bodyPr>
+            <a:normAutofit/>
+          </a:bodyPr>
+          <a:lstStyle/>
+          <a:p>
+            <a:pPr algn="ctr"/>
+            <a:r>
+              <a:rPr lang="en-US" sz="2400" b="1" u="sng" dirty="0">
+                <a:latin typeface="nyt-imperial"/>
+              </a:rPr>
+              <a:t>Tools Used:</a:t>
+            </a:r>
+          </a:p>
+          <a:p>
+            <a:endParaRPr lang="en-US" dirty="0">
+              <a:latin typeface="nyt-imperial"/>
+            </a:endParaRPr>
+          </a:p>
+          <a:p>
+            <a:r>
+              <a:rPr lang="en-US" sz="2200" dirty="0">
+                <a:latin typeface="nyt-imperial"/>
+              </a:rPr>
+              <a:t>Python for gathering and analysis of data</a:t>
+            </a:r>
+          </a:p>
+          <a:p>
+            <a:endParaRPr lang="en-US" sz="2200" dirty="0">
+              <a:latin typeface="nyt-imperial"/>
+            </a:endParaRPr>
+          </a:p>
+          <a:p>
+            <a:r>
+              <a:rPr lang="en-US" sz="2200" dirty="0">
+                <a:latin typeface="nyt-imperial"/>
+              </a:rPr>
+              <a:t>Tableau for data visualization</a:t>
             </a:r>
           </a:p>
         </p:txBody>
@@ -5421,6 +6042,21 @@
 <file path=ppt/slides/slide4.xml><?xml version="1.0" encoding="utf-8"?>
 <p:sld xmlns:a="http://schemas.openxmlformats.org/drawingml/2006/main" xmlns:r="http://schemas.openxmlformats.org/officeDocument/2006/relationships" xmlns:p="http://schemas.openxmlformats.org/presentationml/2006/main">
   <p:cSld>
+    <p:bg>
+      <p:bgPr>
+        <a:blipFill dpi="0" rotWithShape="1">
+          <a:blip r:embed="rId3">
+            <a:alphaModFix amt="49000"/>
+            <a:lum/>
+          </a:blip>
+          <a:srcRect/>
+          <a:stretch>
+            <a:fillRect t="-39000" b="-39000"/>
+          </a:stretch>
+        </a:blipFill>
+        <a:effectLst/>
+      </p:bgPr>
+    </p:bg>
     <p:spTree>
       <p:nvGrpSpPr>
         <p:cNvPr id="1" name=""/>
@@ -5456,13 +6092,19 @@
             <a:off x="1028700" y="723900"/>
             <a:ext cx="10134600" cy="657639"/>
           </a:xfrm>
+          <a:solidFill>
+            <a:schemeClr val="bg1"/>
+          </a:solidFill>
         </p:spPr>
         <p:txBody>
           <a:bodyPr/>
           <a:lstStyle/>
           <a:p>
-            <a:r>
-              <a:rPr lang="en-US" dirty="0"/>
+            <a:pPr algn="ctr"/>
+            <a:r>
+              <a:rPr lang="en-US" dirty="0">
+                <a:latin typeface="nyt-imperial"/>
+              </a:rPr>
               <a:t>Summary of Gathering and Analysis of Data</a:t>
             </a:r>
           </a:p>
@@ -5486,9 +6128,12 @@
         </p:nvSpPr>
         <p:spPr>
           <a:xfrm>
-            <a:off x="1028700" y="1739348"/>
+            <a:off x="1028700" y="1688548"/>
             <a:ext cx="10134600" cy="4701209"/>
           </a:xfrm>
+          <a:solidFill>
+            <a:schemeClr val="bg1"/>
+          </a:solidFill>
         </p:spPr>
         <p:txBody>
           <a:bodyPr>
@@ -5501,7 +6146,9 @@
               <a:buChar char="•"/>
             </a:pPr>
             <a:r>
-              <a:rPr lang="en-US" dirty="0"/>
+              <a:rPr lang="en-US" dirty="0">
+                <a:latin typeface="nyt-imperial"/>
+              </a:rPr>
               <a:t>Created a Percentage of Total Population column in the census data geojson file and filtered the dataframe to only include census tracts in Davidson County with a Black population of 50% or more. </a:t>
             </a:r>
           </a:p>
@@ -5511,7 +6158,9 @@
               <a:buChar char="•"/>
             </a:pPr>
             <a:r>
-              <a:rPr lang="en-US" dirty="0"/>
+              <a:rPr lang="en-US" dirty="0">
+                <a:latin typeface="nyt-imperial"/>
+              </a:rPr>
               <a:t>Obtained the length of the perimeter and centroid of each tract’s polygon and used that to get an approximate radius. I added a half mile buffer to this radius to make sure nothing got left out. </a:t>
             </a:r>
           </a:p>
@@ -5521,8 +6170,10 @@
               <a:buChar char="•"/>
             </a:pPr>
             <a:r>
-              <a:rPr lang="en-US" dirty="0"/>
-              <a:t>Narrowed down the types of businesses I was looking for to a few key types. Those were “gas station”, “supermarket”, “hospital”, “clothing store”, “restaurant”, “bar”, and “store”.</a:t>
+              <a:rPr lang="en-US" dirty="0">
+                <a:latin typeface="nyt-imperial"/>
+              </a:rPr>
+              <a:t>Used the centroid and radius for each tract and ran these through the Google Places API to get businesses information on a set different business types, created a dataframe with the info and got rid of any duplicates. </a:t>
             </a:r>
           </a:p>
           <a:p>
@@ -5531,24 +6182,11 @@
               <a:buChar char="•"/>
             </a:pPr>
             <a:r>
-              <a:rPr lang="en-US" dirty="0"/>
-              <a:t>Used the centroid and radius for each tract and ran these through the Google Places API to get businesses of the aforementioned types, created a dataframe with the info and got rid of any duplicates. </a:t>
-            </a:r>
-          </a:p>
-          <a:p>
-            <a:pPr marL="342900" indent="-342900">
-              <a:buFont typeface="Arial" panose="020B0604020202020204" pitchFamily="34" charset="0"/>
-              <a:buChar char="•"/>
-            </a:pPr>
-            <a:r>
-              <a:rPr lang="en-US" dirty="0"/>
-              <a:t>Performed a spatial join between the Census dataframe and the businesses dataframe to get only businesses within the tracks with a predominantly </a:t>
-            </a:r>
-            <a:r>
-              <a:rPr lang="en-US"/>
-              <a:t>black population.</a:t>
-            </a:r>
-            <a:endParaRPr lang="en-US" dirty="0"/>
+              <a:rPr lang="en-US" dirty="0">
+                <a:latin typeface="nyt-imperial"/>
+              </a:rPr>
+              <a:t>Performed a spatial join between the Census dataframe and the businesses dataframe to get only businesses within the tracks with a predominantly black population.</a:t>
+            </a:r>
           </a:p>
         </p:txBody>
       </p:sp>
@@ -5568,14 +6206,126 @@
 <file path=ppt/slides/slide5.xml><?xml version="1.0" encoding="utf-8"?>
 <p:sld xmlns:a="http://schemas.openxmlformats.org/drawingml/2006/main" xmlns:r="http://schemas.openxmlformats.org/officeDocument/2006/relationships" xmlns:p="http://schemas.openxmlformats.org/presentationml/2006/main">
   <p:cSld>
-    <p:bg>
-      <p:bgPr>
-        <a:solidFill>
-          <a:schemeClr val="bg1"/>
-        </a:solidFill>
-        <a:effectLst/>
-      </p:bgPr>
-    </p:bg>
+    <p:spTree>
+      <p:nvGrpSpPr>
+        <p:cNvPr id="1" name=""/>
+        <p:cNvGrpSpPr/>
+        <p:nvPr/>
+      </p:nvGrpSpPr>
+      <p:grpSpPr>
+        <a:xfrm>
+          <a:off x="0" y="0"/>
+          <a:ext cx="0" cy="0"/>
+          <a:chOff x="0" y="0"/>
+          <a:chExt cx="0" cy="0"/>
+        </a:xfrm>
+      </p:grpSpPr>
+      <p:sp>
+        <p:nvSpPr>
+          <p:cNvPr id="2" name="Title 1">
+            <a:extLst>
+              <a:ext uri="{FF2B5EF4-FFF2-40B4-BE49-F238E27FC236}">
+                <a16:creationId xmlns:a16="http://schemas.microsoft.com/office/drawing/2014/main" id="{05128449-DF95-46DF-8CD2-C4391E4A718B}"/>
+              </a:ext>
+            </a:extLst>
+          </p:cNvPr>
+          <p:cNvSpPr>
+            <a:spLocks noGrp="1"/>
+          </p:cNvSpPr>
+          <p:nvPr>
+            <p:ph type="title"/>
+          </p:nvPr>
+        </p:nvSpPr>
+        <p:spPr>
+          <a:xfrm>
+            <a:off x="1028700" y="723901"/>
+            <a:ext cx="10134600" cy="698499"/>
+          </a:xfrm>
+          <a:solidFill>
+            <a:schemeClr val="bg1"/>
+          </a:solidFill>
+        </p:spPr>
+        <p:txBody>
+          <a:bodyPr/>
+          <a:lstStyle/>
+          <a:p>
+            <a:pPr algn="ctr"/>
+            <a:r>
+              <a:rPr lang="en-US" dirty="0">
+                <a:latin typeface="nyt-imperial"/>
+              </a:rPr>
+              <a:t>Challenges</a:t>
+            </a:r>
+          </a:p>
+        </p:txBody>
+      </p:sp>
+      <p:sp>
+        <p:nvSpPr>
+          <p:cNvPr id="3" name="Content Placeholder 2">
+            <a:extLst>
+              <a:ext uri="{FF2B5EF4-FFF2-40B4-BE49-F238E27FC236}">
+                <a16:creationId xmlns:a16="http://schemas.microsoft.com/office/drawing/2014/main" id="{21EC5FF5-9A3A-4DBC-B87C-92B4814012B7}"/>
+              </a:ext>
+            </a:extLst>
+          </p:cNvPr>
+          <p:cNvSpPr>
+            <a:spLocks noGrp="1"/>
+          </p:cNvSpPr>
+          <p:nvPr>
+            <p:ph idx="1"/>
+          </p:nvPr>
+        </p:nvSpPr>
+        <p:spPr>
+          <a:xfrm>
+            <a:off x="1028700" y="2001520"/>
+            <a:ext cx="10134600" cy="4129725"/>
+          </a:xfrm>
+          <a:solidFill>
+            <a:schemeClr val="bg1"/>
+          </a:solidFill>
+        </p:spPr>
+        <p:txBody>
+          <a:bodyPr/>
+          <a:lstStyle/>
+          <a:p>
+            <a:r>
+              <a:rPr lang="en-US" dirty="0">
+                <a:latin typeface="nyt-imperial"/>
+              </a:rPr>
+              <a:t>The main challenge I faced was categorizing the business types. The Google API will return at most 60 results per run, and you can only search for 1 business category at a time. As such, this is not an exhaustive list of all businesses in these Census tracts. </a:t>
+            </a:r>
+          </a:p>
+          <a:p>
+            <a:endParaRPr lang="en-US" dirty="0">
+              <a:latin typeface="nyt-imperial"/>
+            </a:endParaRPr>
+          </a:p>
+          <a:p>
+            <a:r>
+              <a:rPr lang="en-US" dirty="0">
+                <a:latin typeface="nyt-imperial"/>
+              </a:rPr>
+              <a:t>Google also will give multiple business types to one business, and many were listed simply as “point of interest”, so I had to be mindful of that when cleaning and categorizing my data. </a:t>
+            </a:r>
+          </a:p>
+        </p:txBody>
+      </p:sp>
+    </p:spTree>
+    <p:extLst>
+      <p:ext uri="{BB962C8B-B14F-4D97-AF65-F5344CB8AC3E}">
+        <p14:creationId xmlns:p14="http://schemas.microsoft.com/office/powerpoint/2010/main" val="72087886"/>
+      </p:ext>
+    </p:extLst>
+  </p:cSld>
+  <p:clrMapOvr>
+    <a:masterClrMapping/>
+  </p:clrMapOvr>
+</p:sld>
+</file>
+
+<file path=ppt/slides/slide6.xml><?xml version="1.0" encoding="utf-8"?>
+<p:sld xmlns:a="http://schemas.openxmlformats.org/drawingml/2006/main" xmlns:r="http://schemas.openxmlformats.org/officeDocument/2006/relationships" xmlns:p="http://schemas.openxmlformats.org/presentationml/2006/main">
+  <p:cSld>
     <p:spTree>
       <p:nvGrpSpPr>
         <p:cNvPr id="1" name=""/>
@@ -5823,7 +6573,7 @@
           <p:nvPr/>
         </p:nvPicPr>
         <p:blipFill>
-          <a:blip r:embed="rId2">
+          <a:blip r:embed="rId3">
             <a:extLst>
               <a:ext uri="{28A0092B-C50C-407E-A947-70E740481C1C}">
                 <a14:useLocalDpi xmlns:a14="http://schemas.microsoft.com/office/drawing/2010/main" val="0"/>
@@ -5857,7 +6607,7 @@
 </p:sld>
 </file>
 
-<file path=ppt/slides/slide6.xml><?xml version="1.0" encoding="utf-8"?>
+<file path=ppt/slides/slide7.xml><?xml version="1.0" encoding="utf-8"?>
 <p:sld xmlns:a="http://schemas.openxmlformats.org/drawingml/2006/main" xmlns:r="http://schemas.openxmlformats.org/officeDocument/2006/relationships" xmlns:p="http://schemas.openxmlformats.org/presentationml/2006/main">
   <p:cSld>
     <p:spTree>
@@ -5889,7 +6639,7 @@
           <p:nvPr/>
         </p:nvPicPr>
         <p:blipFill>
-          <a:blip r:embed="rId2"/>
+          <a:blip r:embed="rId3"/>
           <a:stretch>
             <a:fillRect/>
           </a:stretch>
@@ -5908,6 +6658,138 @@
     <p:extLst>
       <p:ext uri="{BB962C8B-B14F-4D97-AF65-F5344CB8AC3E}">
         <p14:creationId xmlns:p14="http://schemas.microsoft.com/office/powerpoint/2010/main" val="4179085369"/>
+      </p:ext>
+    </p:extLst>
+  </p:cSld>
+  <p:clrMapOvr>
+    <a:masterClrMapping/>
+  </p:clrMapOvr>
+</p:sld>
+</file>
+
+<file path=ppt/slides/slide8.xml><?xml version="1.0" encoding="utf-8"?>
+<p:sld xmlns:a="http://schemas.openxmlformats.org/drawingml/2006/main" xmlns:r="http://schemas.openxmlformats.org/officeDocument/2006/relationships" xmlns:p="http://schemas.openxmlformats.org/presentationml/2006/main">
+  <p:cSld>
+    <p:spTree>
+      <p:nvGrpSpPr>
+        <p:cNvPr id="1" name=""/>
+        <p:cNvGrpSpPr/>
+        <p:nvPr/>
+      </p:nvGrpSpPr>
+      <p:grpSpPr>
+        <a:xfrm>
+          <a:off x="0" y="0"/>
+          <a:ext cx="0" cy="0"/>
+          <a:chOff x="0" y="0"/>
+          <a:chExt cx="0" cy="0"/>
+        </a:xfrm>
+      </p:grpSpPr>
+      <p:pic>
+        <p:nvPicPr>
+          <p:cNvPr id="9" name="Picture 8" descr="Chart, timeline&#10;&#10;Description automatically generated">
+            <a:extLst>
+              <a:ext uri="{FF2B5EF4-FFF2-40B4-BE49-F238E27FC236}">
+                <a16:creationId xmlns:a16="http://schemas.microsoft.com/office/drawing/2014/main" id="{BB74BE46-7907-42CE-B09A-2AD68C294328}"/>
+              </a:ext>
+            </a:extLst>
+          </p:cNvPr>
+          <p:cNvPicPr>
+            <a:picLocks noChangeAspect="1"/>
+          </p:cNvPicPr>
+          <p:nvPr/>
+        </p:nvPicPr>
+        <p:blipFill>
+          <a:blip r:embed="rId2">
+            <a:extLst>
+              <a:ext uri="{28A0092B-C50C-407E-A947-70E740481C1C}">
+                <a14:useLocalDpi xmlns:a14="http://schemas.microsoft.com/office/drawing/2010/main" val="0"/>
+              </a:ext>
+            </a:extLst>
+          </a:blip>
+          <a:stretch>
+            <a:fillRect/>
+          </a:stretch>
+        </p:blipFill>
+        <p:spPr>
+          <a:xfrm>
+            <a:off x="635000" y="1913950"/>
+            <a:ext cx="10922000" cy="3030100"/>
+          </a:xfrm>
+          <a:prstGeom prst="rect">
+            <a:avLst/>
+          </a:prstGeom>
+        </p:spPr>
+      </p:pic>
+    </p:spTree>
+    <p:extLst>
+      <p:ext uri="{BB962C8B-B14F-4D97-AF65-F5344CB8AC3E}">
+        <p14:creationId xmlns:p14="http://schemas.microsoft.com/office/powerpoint/2010/main" val="2146264164"/>
+      </p:ext>
+    </p:extLst>
+  </p:cSld>
+  <p:clrMapOvr>
+    <a:masterClrMapping/>
+  </p:clrMapOvr>
+</p:sld>
+</file>
+
+<file path=ppt/slides/slide9.xml><?xml version="1.0" encoding="utf-8"?>
+<p:sld xmlns:a="http://schemas.openxmlformats.org/drawingml/2006/main" xmlns:r="http://schemas.openxmlformats.org/officeDocument/2006/relationships" xmlns:p="http://schemas.openxmlformats.org/presentationml/2006/main">
+  <p:cSld>
+    <p:spTree>
+      <p:nvGrpSpPr>
+        <p:cNvPr id="1" name=""/>
+        <p:cNvGrpSpPr/>
+        <p:nvPr/>
+      </p:nvGrpSpPr>
+      <p:grpSpPr>
+        <a:xfrm>
+          <a:off x="0" y="0"/>
+          <a:ext cx="0" cy="0"/>
+          <a:chOff x="0" y="0"/>
+          <a:chExt cx="0" cy="0"/>
+        </a:xfrm>
+      </p:grpSpPr>
+      <p:pic>
+        <p:nvPicPr>
+          <p:cNvPr id="5" name="Picture 4" descr="Chart, bar chart&#10;&#10;Description automatically generated">
+            <a:extLst>
+              <a:ext uri="{FF2B5EF4-FFF2-40B4-BE49-F238E27FC236}">
+                <a16:creationId xmlns:a16="http://schemas.microsoft.com/office/drawing/2014/main" id="{A095F88D-5D07-448D-AA8E-9F878729ADF7}"/>
+              </a:ext>
+            </a:extLst>
+          </p:cNvPr>
+          <p:cNvPicPr>
+            <a:picLocks noChangeAspect="1"/>
+          </p:cNvPicPr>
+          <p:nvPr/>
+        </p:nvPicPr>
+        <p:blipFill>
+          <a:blip r:embed="rId2">
+            <a:extLst>
+              <a:ext uri="{28A0092B-C50C-407E-A947-70E740481C1C}">
+                <a14:useLocalDpi xmlns:a14="http://schemas.microsoft.com/office/drawing/2010/main" val="0"/>
+              </a:ext>
+            </a:extLst>
+          </a:blip>
+          <a:stretch>
+            <a:fillRect/>
+          </a:stretch>
+        </p:blipFill>
+        <p:spPr>
+          <a:xfrm>
+            <a:off x="288968" y="850899"/>
+            <a:ext cx="11614064" cy="5156202"/>
+          </a:xfrm>
+          <a:prstGeom prst="rect">
+            <a:avLst/>
+          </a:prstGeom>
+        </p:spPr>
+      </p:pic>
+    </p:spTree>
+    <p:extLst>
+      <p:ext uri="{BB962C8B-B14F-4D97-AF65-F5344CB8AC3E}">
+        <p14:creationId xmlns:p14="http://schemas.microsoft.com/office/powerpoint/2010/main" val="3382679615"/>
       </p:ext>
     </p:extLst>
   </p:cSld>

--- a/Nashville Businesses in Black Communities.pptx
+++ b/Nashville Businesses in Black Communities.pptx
@@ -210,7 +210,7 @@
           <a:p>
             <a:fld id="{24B3DC48-D807-4CB8-8AC2-9634B3593D1F}" type="datetimeFigureOut">
               <a:rPr lang="en-US" smtClean="0"/>
-              <a:t>12/19/2021</a:t>
+              <a:t>1/4/2022</a:t>
             </a:fld>
             <a:endParaRPr lang="en-US"/>
           </a:p>
@@ -1115,7 +1115,7 @@
           <a:p>
             <a:fld id="{C485584D-7D79-4248-9986-4CA35242F944}" type="datetimeFigureOut">
               <a:rPr lang="en-US" smtClean="0"/>
-              <a:t>12/19/2021</a:t>
+              <a:t>1/4/2022</a:t>
             </a:fld>
             <a:endParaRPr lang="en-US"/>
           </a:p>
@@ -1489,7 +1489,7 @@
           <a:p>
             <a:fld id="{C485584D-7D79-4248-9986-4CA35242F944}" type="datetimeFigureOut">
               <a:rPr lang="en-US" smtClean="0"/>
-              <a:t>12/19/2021</a:t>
+              <a:t>1/4/2022</a:t>
             </a:fld>
             <a:endParaRPr lang="en-US"/>
           </a:p>
@@ -1699,7 +1699,7 @@
           <a:p>
             <a:fld id="{C485584D-7D79-4248-9986-4CA35242F944}" type="datetimeFigureOut">
               <a:rPr lang="en-US" smtClean="0"/>
-              <a:t>12/19/2021</a:t>
+              <a:t>1/4/2022</a:t>
             </a:fld>
             <a:endParaRPr lang="en-US"/>
           </a:p>
@@ -1898,7 +1898,7 @@
           <a:p>
             <a:fld id="{C485584D-7D79-4248-9986-4CA35242F944}" type="datetimeFigureOut">
               <a:rPr lang="en-US" smtClean="0"/>
-              <a:t>12/19/2021</a:t>
+              <a:t>1/4/2022</a:t>
             </a:fld>
             <a:endParaRPr lang="en-US"/>
           </a:p>
@@ -2011,7 +2011,7 @@
           <a:p>
             <a:fld id="{C485584D-7D79-4248-9986-4CA35242F944}" type="datetimeFigureOut">
               <a:rPr lang="en-US" smtClean="0"/>
-              <a:t>12/19/2021</a:t>
+              <a:t>1/4/2022</a:t>
             </a:fld>
             <a:endParaRPr lang="en-US"/>
           </a:p>
@@ -2747,7 +2747,7 @@
           <a:p>
             <a:fld id="{C485584D-7D79-4248-9986-4CA35242F944}" type="datetimeFigureOut">
               <a:rPr lang="en-US" smtClean="0"/>
-              <a:t>12/19/2021</a:t>
+              <a:t>1/4/2022</a:t>
             </a:fld>
             <a:endParaRPr lang="en-US"/>
           </a:p>
@@ -3163,7 +3163,7 @@
           <a:p>
             <a:fld id="{C485584D-7D79-4248-9986-4CA35242F944}" type="datetimeFigureOut">
               <a:rPr lang="en-US" smtClean="0"/>
-              <a:t>12/19/2021</a:t>
+              <a:t>1/4/2022</a:t>
             </a:fld>
             <a:endParaRPr lang="en-US"/>
           </a:p>
@@ -3304,7 +3304,7 @@
           <a:p>
             <a:fld id="{C485584D-7D79-4248-9986-4CA35242F944}" type="datetimeFigureOut">
               <a:rPr lang="en-US" smtClean="0"/>
-              <a:t>12/19/2021</a:t>
+              <a:t>1/4/2022</a:t>
             </a:fld>
             <a:endParaRPr lang="en-US"/>
           </a:p>
@@ -3417,7 +3417,7 @@
           <a:p>
             <a:fld id="{C485584D-7D79-4248-9986-4CA35242F944}" type="datetimeFigureOut">
               <a:rPr lang="en-US" smtClean="0"/>
-              <a:t>12/19/2021</a:t>
+              <a:t>1/4/2022</a:t>
             </a:fld>
             <a:endParaRPr lang="en-US"/>
           </a:p>
@@ -3730,7 +3730,7 @@
           <a:p>
             <a:fld id="{C485584D-7D79-4248-9986-4CA35242F944}" type="datetimeFigureOut">
               <a:rPr lang="en-US" smtClean="0"/>
-              <a:t>12/19/2021</a:t>
+              <a:t>1/4/2022</a:t>
             </a:fld>
             <a:endParaRPr lang="en-US"/>
           </a:p>
@@ -4022,7 +4022,7 @@
           <a:p>
             <a:fld id="{C485584D-7D79-4248-9986-4CA35242F944}" type="datetimeFigureOut">
               <a:rPr lang="en-US" smtClean="0"/>
-              <a:t>12/19/2021</a:t>
+              <a:t>1/4/2022</a:t>
             </a:fld>
             <a:endParaRPr lang="en-US"/>
           </a:p>
@@ -4316,7 +4316,7 @@
           <a:p>
             <a:fld id="{C485584D-7D79-4248-9986-4CA35242F944}" type="datetimeFigureOut">
               <a:rPr lang="en-US" smtClean="0"/>
-              <a:t>12/19/2021</a:t>
+              <a:t>1/4/2022</a:t>
             </a:fld>
             <a:endParaRPr lang="en-US"/>
           </a:p>
@@ -5096,13 +5096,18 @@
               </a:lnSpc>
             </a:pPr>
             <a:r>
-              <a:rPr lang="en-US" dirty="0">
+              <a:rPr lang="en-US">
                 <a:solidFill>
                   <a:schemeClr val="bg1"/>
                 </a:solidFill>
               </a:rPr>
-              <a:t>DA-5 Cohort</a:t>
-            </a:r>
+              <a:t>Cohort DA5</a:t>
+            </a:r>
+            <a:endParaRPr lang="en-US" dirty="0">
+              <a:solidFill>
+                <a:schemeClr val="bg1"/>
+              </a:solidFill>
+            </a:endParaRPr>
           </a:p>
           <a:p>
             <a:pPr>

--- a/Nashville Businesses in Black Communities.pptx
+++ b/Nashville Businesses in Black Communities.pptx
@@ -13,11 +13,11 @@
     <p:sldId id="258" r:id="rId4"/>
     <p:sldId id="259" r:id="rId5"/>
     <p:sldId id="263" r:id="rId6"/>
-    <p:sldId id="260" r:id="rId7"/>
-    <p:sldId id="261" r:id="rId8"/>
-    <p:sldId id="264" r:id="rId9"/>
-    <p:sldId id="266" r:id="rId10"/>
-    <p:sldId id="267" r:id="rId11"/>
+    <p:sldId id="261" r:id="rId7"/>
+    <p:sldId id="264" r:id="rId8"/>
+    <p:sldId id="266" r:id="rId9"/>
+    <p:sldId id="268" r:id="rId10"/>
+    <p:sldId id="269" r:id="rId11"/>
     <p:sldId id="265" r:id="rId12"/>
   </p:sldIdLst>
   <p:sldSz cx="12192000" cy="6858000"/>
@@ -776,9 +776,26 @@
           <a:bodyPr/>
           <a:lstStyle/>
           <a:p>
+            <a:pPr marL="0" marR="0" lvl="0" indent="0" algn="l" defTabSz="914400" rtl="0" eaLnBrk="1" fontAlgn="auto" latinLnBrk="0" hangingPunct="1">
+              <a:lnSpc>
+                <a:spcPct val="100000"/>
+              </a:lnSpc>
+              <a:spcBef>
+                <a:spcPts val="0"/>
+              </a:spcBef>
+              <a:spcAft>
+                <a:spcPts val="0"/>
+              </a:spcAft>
+              <a:buClrTx/>
+              <a:buSzTx/>
+              <a:buFontTx/>
+              <a:buNone/>
+              <a:tabLst/>
+              <a:defRPr/>
+            </a:pPr>
             <a:r>
               <a:rPr lang="en-US" dirty="0"/>
-              <a:t>Davidson County has 1,497 census tracts total, and of these 25 have a Black or African American population of over 50%. Here is the breakdown. Most of these are in the North – Northwest area of Davidson County, with one outlier being in the Southeast region on the border of Rutherford county. Census tracts don’t have area names, so if you want to see this on a map (next slide)</a:t>
+              <a:t>Davidson County has 1,497 census tracts total, and of these 25 have a Black or African American population of over 50%. Here is the breakdown. Most of these are in the North – Northwest area of Davidson County, with one outlier being in the Southeast region on the border of Rutherford county. Census Tract 148 with a 91% black population is this small one here in the Chestnut Hill area, and Census tract 119 with 52% is right here in the East Nashville Area.</a:t>
             </a:r>
           </a:p>
         </p:txBody>
@@ -801,93 +818,6 @@
             <a:fld id="{1C1ED85E-C528-4A4A-84D2-C4CB41DC396C}" type="slidenum">
               <a:rPr lang="en-US" smtClean="0"/>
               <a:t>6</a:t>
-            </a:fld>
-            <a:endParaRPr lang="en-US"/>
-          </a:p>
-        </p:txBody>
-      </p:sp>
-    </p:spTree>
-    <p:extLst>
-      <p:ext uri="{BB962C8B-B14F-4D97-AF65-F5344CB8AC3E}">
-        <p14:creationId xmlns:p14="http://schemas.microsoft.com/office/powerpoint/2010/main" val="3278618545"/>
-      </p:ext>
-    </p:extLst>
-  </p:cSld>
-  <p:clrMapOvr>
-    <a:masterClrMapping/>
-  </p:clrMapOvr>
-</p:notes>
-</file>
-
-<file path=ppt/notesSlides/notesSlide5.xml><?xml version="1.0" encoding="utf-8"?>
-<p:notes xmlns:a="http://schemas.openxmlformats.org/drawingml/2006/main" xmlns:r="http://schemas.openxmlformats.org/officeDocument/2006/relationships" xmlns:p="http://schemas.openxmlformats.org/presentationml/2006/main">
-  <p:cSld>
-    <p:spTree>
-      <p:nvGrpSpPr>
-        <p:cNvPr id="1" name=""/>
-        <p:cNvGrpSpPr/>
-        <p:nvPr/>
-      </p:nvGrpSpPr>
-      <p:grpSpPr>
-        <a:xfrm>
-          <a:off x="0" y="0"/>
-          <a:ext cx="0" cy="0"/>
-          <a:chOff x="0" y="0"/>
-          <a:chExt cx="0" cy="0"/>
-        </a:xfrm>
-      </p:grpSpPr>
-      <p:sp>
-        <p:nvSpPr>
-          <p:cNvPr id="2" name="Slide Image Placeholder 1"/>
-          <p:cNvSpPr>
-            <a:spLocks noGrp="1" noRot="1" noChangeAspect="1"/>
-          </p:cNvSpPr>
-          <p:nvPr>
-            <p:ph type="sldImg"/>
-          </p:nvPr>
-        </p:nvSpPr>
-        <p:spPr/>
-      </p:sp>
-      <p:sp>
-        <p:nvSpPr>
-          <p:cNvPr id="3" name="Notes Placeholder 2"/>
-          <p:cNvSpPr>
-            <a:spLocks noGrp="1"/>
-          </p:cNvSpPr>
-          <p:nvPr>
-            <p:ph type="body" idx="1"/>
-          </p:nvPr>
-        </p:nvSpPr>
-        <p:spPr/>
-        <p:txBody>
-          <a:bodyPr/>
-          <a:lstStyle/>
-          <a:p>
-            <a:r>
-              <a:rPr lang="en-US" dirty="0"/>
-              <a:t>Census Tract 148 with a 91% black population is this small one here in the Chestnut Hill area, and Census tract 119 with 52% is right here in the East Nashville Area.</a:t>
-            </a:r>
-          </a:p>
-        </p:txBody>
-      </p:sp>
-      <p:sp>
-        <p:nvSpPr>
-          <p:cNvPr id="4" name="Slide Number Placeholder 3"/>
-          <p:cNvSpPr>
-            <a:spLocks noGrp="1"/>
-          </p:cNvSpPr>
-          <p:nvPr>
-            <p:ph type="sldNum" sz="quarter" idx="5"/>
-          </p:nvPr>
-        </p:nvSpPr>
-        <p:spPr/>
-        <p:txBody>
-          <a:bodyPr/>
-          <a:lstStyle/>
-          <a:p>
-            <a:fld id="{1C1ED85E-C528-4A4A-84D2-C4CB41DC396C}" type="slidenum">
-              <a:rPr lang="en-US" smtClean="0"/>
-              <a:t>7</a:t>
             </a:fld>
             <a:endParaRPr lang="en-US"/>
           </a:p>
@@ -5360,67 +5290,12 @@
           <a:chExt cx="0" cy="0"/>
         </a:xfrm>
       </p:grpSpPr>
-      <p:sp>
-        <p:nvSpPr>
-          <p:cNvPr id="2" name="Title 1">
-            <a:extLst>
-              <a:ext uri="{FF2B5EF4-FFF2-40B4-BE49-F238E27FC236}">
-                <a16:creationId xmlns:a16="http://schemas.microsoft.com/office/drawing/2014/main" id="{3CCE162A-F68E-48BE-B1FD-89A84423292F}"/>
-              </a:ext>
-            </a:extLst>
-          </p:cNvPr>
-          <p:cNvSpPr>
-            <a:spLocks noGrp="1"/>
-          </p:cNvSpPr>
-          <p:nvPr>
-            <p:ph type="title"/>
-          </p:nvPr>
-        </p:nvSpPr>
-        <p:spPr/>
-        <p:txBody>
-          <a:bodyPr/>
-          <a:lstStyle/>
-          <a:p>
-            <a:r>
-              <a:rPr lang="en-US" dirty="0">
-                <a:latin typeface="nyt-imperial"/>
-              </a:rPr>
-              <a:t>Top Business Type by Tract</a:t>
-            </a:r>
-          </a:p>
-        </p:txBody>
-      </p:sp>
-      <p:sp>
-        <p:nvSpPr>
-          <p:cNvPr id="3" name="Text Placeholder 2">
-            <a:extLst>
-              <a:ext uri="{FF2B5EF4-FFF2-40B4-BE49-F238E27FC236}">
-                <a16:creationId xmlns:a16="http://schemas.microsoft.com/office/drawing/2014/main" id="{B95651DA-FC9C-4C97-B109-04F6DC98967F}"/>
-              </a:ext>
-            </a:extLst>
-          </p:cNvPr>
-          <p:cNvSpPr>
-            <a:spLocks noGrp="1"/>
-          </p:cNvSpPr>
-          <p:nvPr>
-            <p:ph type="body" idx="1"/>
-          </p:nvPr>
-        </p:nvSpPr>
-        <p:spPr/>
-        <p:txBody>
-          <a:bodyPr/>
-          <a:lstStyle/>
-          <a:p>
-            <a:endParaRPr lang="en-US" dirty="0"/>
-          </a:p>
-        </p:txBody>
-      </p:sp>
       <p:pic>
         <p:nvPicPr>
-          <p:cNvPr id="4" name="Picture 3" descr="Table&#10;&#10;Description automatically generated">
-            <a:extLst>
-              <a:ext uri="{FF2B5EF4-FFF2-40B4-BE49-F238E27FC236}">
-                <a16:creationId xmlns:a16="http://schemas.microsoft.com/office/drawing/2014/main" id="{D9DD6286-82F8-442A-BCDF-407CF341EC11}"/>
+          <p:cNvPr id="5" name="Picture 4" descr="Chart, treemap chart&#10;&#10;Description automatically generated">
+            <a:extLst>
+              <a:ext uri="{FF2B5EF4-FFF2-40B4-BE49-F238E27FC236}">
+                <a16:creationId xmlns:a16="http://schemas.microsoft.com/office/drawing/2014/main" id="{1EF1E4C5-6BCC-4F93-9A56-BB45033CABA6}"/>
               </a:ext>
             </a:extLst>
           </p:cNvPr>
@@ -5429,7 +5304,7 @@
           </p:cNvPicPr>
           <p:nvPr/>
         </p:nvPicPr>
-        <p:blipFill rotWithShape="1">
+        <p:blipFill>
           <a:blip r:embed="rId2">
             <a:extLst>
               <a:ext uri="{28A0092B-C50C-407E-A947-70E740481C1C}">
@@ -5437,23 +5312,237 @@
               </a:ext>
             </a:extLst>
           </a:blip>
-          <a:srcRect l="-190" t="5113" r="4857"/>
-          <a:stretch/>
+          <a:stretch>
+            <a:fillRect/>
+          </a:stretch>
         </p:blipFill>
         <p:spPr>
           <a:xfrm>
-            <a:off x="5976621" y="223520"/>
-            <a:ext cx="5085080" cy="6410960"/>
+            <a:off x="3952919" y="438785"/>
+            <a:ext cx="7973905" cy="5980430"/>
           </a:xfrm>
           <a:prstGeom prst="rect">
             <a:avLst/>
           </a:prstGeom>
         </p:spPr>
       </p:pic>
+      <p:sp>
+        <p:nvSpPr>
+          <p:cNvPr id="8" name="Content Placeholder 2">
+            <a:extLst>
+              <a:ext uri="{FF2B5EF4-FFF2-40B4-BE49-F238E27FC236}">
+                <a16:creationId xmlns:a16="http://schemas.microsoft.com/office/drawing/2014/main" id="{753DDB9A-D184-4F7C-B5D1-571ABBE2E301}"/>
+              </a:ext>
+            </a:extLst>
+          </p:cNvPr>
+          <p:cNvSpPr txBox="1">
+            <a:spLocks/>
+          </p:cNvSpPr>
+          <p:nvPr/>
+        </p:nvSpPr>
+        <p:spPr>
+          <a:xfrm>
+            <a:off x="265176" y="2210752"/>
+            <a:ext cx="3554984" cy="2436495"/>
+          </a:xfrm>
+          <a:prstGeom prst="rect">
+            <a:avLst/>
+          </a:prstGeom>
+          <a:solidFill>
+            <a:schemeClr val="bg1">
+              <a:lumMod val="95000"/>
+              <a:alpha val="75000"/>
+            </a:schemeClr>
+          </a:solidFill>
+        </p:spPr>
+        <p:txBody>
+          <a:bodyPr>
+            <a:normAutofit/>
+          </a:bodyPr>
+          <a:lstStyle>
+            <a:lvl1pPr marL="0" indent="0" algn="l" defTabSz="914400" rtl="0" eaLnBrk="1" latinLnBrk="0" hangingPunct="1">
+              <a:lnSpc>
+                <a:spcPct val="110000"/>
+              </a:lnSpc>
+              <a:spcBef>
+                <a:spcPts val="1000"/>
+              </a:spcBef>
+              <a:buFontTx/>
+              <a:buNone/>
+              <a:defRPr sz="2000" kern="1200">
+                <a:solidFill>
+                  <a:schemeClr val="tx2"/>
+                </a:solidFill>
+                <a:latin typeface="+mn-lt"/>
+                <a:ea typeface="+mn-ea"/>
+                <a:cs typeface="+mn-cs"/>
+              </a:defRPr>
+            </a:lvl1pPr>
+            <a:lvl2pPr marL="274320" indent="-228600" algn="l" defTabSz="914400" rtl="0" eaLnBrk="1" latinLnBrk="0" hangingPunct="1">
+              <a:lnSpc>
+                <a:spcPct val="110000"/>
+              </a:lnSpc>
+              <a:spcBef>
+                <a:spcPts val="500"/>
+              </a:spcBef>
+              <a:buSzPct val="85000"/>
+              <a:buFont typeface="Arial" panose="020B0604020202020204" pitchFamily="34" charset="0"/>
+              <a:buChar char="•"/>
+              <a:defRPr sz="1800" kern="1200">
+                <a:solidFill>
+                  <a:schemeClr val="tx2"/>
+                </a:solidFill>
+                <a:latin typeface="+mn-lt"/>
+                <a:ea typeface="+mn-ea"/>
+                <a:cs typeface="+mn-cs"/>
+              </a:defRPr>
+            </a:lvl2pPr>
+            <a:lvl3pPr marL="274320" indent="0" algn="l" defTabSz="914400" rtl="0" eaLnBrk="1" latinLnBrk="0" hangingPunct="1">
+              <a:lnSpc>
+                <a:spcPct val="110000"/>
+              </a:lnSpc>
+              <a:spcBef>
+                <a:spcPts val="500"/>
+              </a:spcBef>
+              <a:buFontTx/>
+              <a:buNone/>
+              <a:defRPr sz="1600" kern="1200">
+                <a:solidFill>
+                  <a:schemeClr val="tx2"/>
+                </a:solidFill>
+                <a:latin typeface="+mn-lt"/>
+                <a:ea typeface="+mn-ea"/>
+                <a:cs typeface="+mn-cs"/>
+              </a:defRPr>
+            </a:lvl3pPr>
+            <a:lvl4pPr marL="548640" indent="-228600" algn="l" defTabSz="914400" rtl="0" eaLnBrk="1" latinLnBrk="0" hangingPunct="1">
+              <a:lnSpc>
+                <a:spcPct val="110000"/>
+              </a:lnSpc>
+              <a:spcBef>
+                <a:spcPts val="500"/>
+              </a:spcBef>
+              <a:buFont typeface="Arial" panose="020B0604020202020204" pitchFamily="34" charset="0"/>
+              <a:buChar char="•"/>
+              <a:defRPr sz="1400" kern="1200">
+                <a:solidFill>
+                  <a:schemeClr val="tx2"/>
+                </a:solidFill>
+                <a:latin typeface="+mn-lt"/>
+                <a:ea typeface="+mn-ea"/>
+                <a:cs typeface="+mn-cs"/>
+              </a:defRPr>
+            </a:lvl4pPr>
+            <a:lvl5pPr marL="548640" indent="0" algn="l" defTabSz="914400" rtl="0" eaLnBrk="1" latinLnBrk="0" hangingPunct="1">
+              <a:lnSpc>
+                <a:spcPct val="110000"/>
+              </a:lnSpc>
+              <a:spcBef>
+                <a:spcPts val="500"/>
+              </a:spcBef>
+              <a:buFontTx/>
+              <a:buNone/>
+              <a:defRPr sz="1400" kern="1200">
+                <a:solidFill>
+                  <a:schemeClr val="tx2"/>
+                </a:solidFill>
+                <a:latin typeface="+mn-lt"/>
+                <a:ea typeface="+mn-ea"/>
+                <a:cs typeface="+mn-cs"/>
+              </a:defRPr>
+            </a:lvl5pPr>
+            <a:lvl6pPr marL="2514600" indent="-228600" algn="l" defTabSz="914400" rtl="0" eaLnBrk="1" latinLnBrk="0" hangingPunct="1">
+              <a:lnSpc>
+                <a:spcPct val="90000"/>
+              </a:lnSpc>
+              <a:spcBef>
+                <a:spcPts val="500"/>
+              </a:spcBef>
+              <a:buFont typeface="Arial" panose="020B0604020202020204" pitchFamily="34" charset="0"/>
+              <a:buChar char="•"/>
+              <a:defRPr sz="1800" kern="1200">
+                <a:solidFill>
+                  <a:schemeClr val="tx1"/>
+                </a:solidFill>
+                <a:latin typeface="+mn-lt"/>
+                <a:ea typeface="+mn-ea"/>
+                <a:cs typeface="+mn-cs"/>
+              </a:defRPr>
+            </a:lvl6pPr>
+            <a:lvl7pPr marL="2971800" indent="-228600" algn="l" defTabSz="914400" rtl="0" eaLnBrk="1" latinLnBrk="0" hangingPunct="1">
+              <a:lnSpc>
+                <a:spcPct val="90000"/>
+              </a:lnSpc>
+              <a:spcBef>
+                <a:spcPts val="500"/>
+              </a:spcBef>
+              <a:buFont typeface="Arial" panose="020B0604020202020204" pitchFamily="34" charset="0"/>
+              <a:buChar char="•"/>
+              <a:defRPr sz="1800" kern="1200">
+                <a:solidFill>
+                  <a:schemeClr val="tx1"/>
+                </a:solidFill>
+                <a:latin typeface="+mn-lt"/>
+                <a:ea typeface="+mn-ea"/>
+                <a:cs typeface="+mn-cs"/>
+              </a:defRPr>
+            </a:lvl7pPr>
+            <a:lvl8pPr marL="3429000" indent="-228600" algn="l" defTabSz="914400" rtl="0" eaLnBrk="1" latinLnBrk="0" hangingPunct="1">
+              <a:lnSpc>
+                <a:spcPct val="90000"/>
+              </a:lnSpc>
+              <a:spcBef>
+                <a:spcPts val="500"/>
+              </a:spcBef>
+              <a:buFont typeface="Arial" panose="020B0604020202020204" pitchFamily="34" charset="0"/>
+              <a:buChar char="•"/>
+              <a:defRPr sz="1800" kern="1200">
+                <a:solidFill>
+                  <a:schemeClr val="tx1"/>
+                </a:solidFill>
+                <a:latin typeface="+mn-lt"/>
+                <a:ea typeface="+mn-ea"/>
+                <a:cs typeface="+mn-cs"/>
+              </a:defRPr>
+            </a:lvl8pPr>
+            <a:lvl9pPr marL="3886200" indent="-228600" algn="l" defTabSz="914400" rtl="0" eaLnBrk="1" latinLnBrk="0" hangingPunct="1">
+              <a:lnSpc>
+                <a:spcPct val="90000"/>
+              </a:lnSpc>
+              <a:spcBef>
+                <a:spcPts val="500"/>
+              </a:spcBef>
+              <a:buFont typeface="Arial" panose="020B0604020202020204" pitchFamily="34" charset="0"/>
+              <a:buChar char="•"/>
+              <a:defRPr sz="1800" kern="1200">
+                <a:solidFill>
+                  <a:schemeClr val="tx1"/>
+                </a:solidFill>
+                <a:latin typeface="+mn-lt"/>
+                <a:ea typeface="+mn-ea"/>
+                <a:cs typeface="+mn-cs"/>
+              </a:defRPr>
+            </a:lvl9pPr>
+          </a:lstStyle>
+          <a:p>
+            <a:pPr algn="ctr"/>
+            <a:r>
+              <a:rPr lang="en-US" sz="3200" dirty="0">
+                <a:latin typeface="nyt-imperial"/>
+                <a:hlinkClick r:id="rId3"/>
+              </a:rPr>
+              <a:t>Nashville Businesses in Black Communities Dashboard</a:t>
+            </a:r>
+            <a:endParaRPr lang="en-US" sz="3200" dirty="0">
+              <a:latin typeface="nyt-imperial"/>
+            </a:endParaRPr>
+          </a:p>
+        </p:txBody>
+      </p:sp>
     </p:spTree>
     <p:extLst>
       <p:ext uri="{BB962C8B-B14F-4D97-AF65-F5344CB8AC3E}">
-        <p14:creationId xmlns:p14="http://schemas.microsoft.com/office/powerpoint/2010/main" val="1708281176"/>
+        <p14:creationId xmlns:p14="http://schemas.microsoft.com/office/powerpoint/2010/main" val="4006415564"/>
       </p:ext>
     </p:extLst>
   </p:cSld>
@@ -5498,11 +5587,14 @@
         </p:nvSpPr>
         <p:spPr>
           <a:xfrm>
-            <a:off x="1028700" y="723901"/>
-            <a:ext cx="10134600" cy="812800"/>
+            <a:off x="1028700" y="884583"/>
+            <a:ext cx="10134600" cy="652118"/>
           </a:xfrm>
           <a:solidFill>
-            <a:schemeClr val="bg1"/>
+            <a:schemeClr val="bg1">
+              <a:lumMod val="95000"/>
+              <a:alpha val="75000"/>
+            </a:schemeClr>
           </a:solidFill>
         </p:spPr>
         <p:txBody>
@@ -5536,32 +5628,76 @@
           </p:nvPr>
         </p:nvSpPr>
         <p:spPr>
+          <a:xfrm>
+            <a:off x="1028700" y="2161902"/>
+            <a:ext cx="10134600" cy="4096657"/>
+          </a:xfrm>
           <a:solidFill>
-            <a:schemeClr val="bg1"/>
+            <a:schemeClr val="bg1">
+              <a:lumMod val="95000"/>
+              <a:alpha val="75000"/>
+            </a:schemeClr>
           </a:solidFill>
         </p:spPr>
         <p:txBody>
-          <a:bodyPr/>
-          <a:lstStyle/>
-          <a:p>
-            <a:r>
-              <a:rPr lang="en-US" dirty="0">
-                <a:latin typeface="nyt-imperial"/>
+          <a:bodyPr>
+            <a:normAutofit/>
+          </a:bodyPr>
+          <a:lstStyle/>
+          <a:p>
+            <a:pPr algn="l"/>
+            <a:r>
+              <a:rPr lang="en-US" b="0" i="0" dirty="0">
+                <a:solidFill>
+                  <a:srgbClr val="24292F"/>
+                </a:solidFill>
+                <a:effectLst/>
+                <a:latin typeface="-apple-system"/>
               </a:rPr>
-              <a:t>It’s no surprise with Nashville being a major tourist area and medical hub that restaurants and medical services would be high on the list, and the businesses in predominantly Black Communities reflect that. There are also a large amount of gas stations, convenience stores, supply warehouses, bars, and music stores/studios. </a:t>
-            </a:r>
-          </a:p>
-          <a:p>
-            <a:endParaRPr lang="en-US" dirty="0">
-              <a:latin typeface="nyt-imperial"/>
+              <a:t>It’s no surprise with Nashville being a major tourist area and medical hub that restaurants and medical services are high on the list, and the businesses in predominantly </a:t>
+            </a:r>
+            <a:r>
+              <a:rPr lang="en-US" b="0" i="0">
+                <a:solidFill>
+                  <a:srgbClr val="24292F"/>
+                </a:solidFill>
+                <a:effectLst/>
+                <a:latin typeface="-apple-system"/>
+              </a:rPr>
+              <a:t>Black communities </a:t>
+            </a:r>
+            <a:r>
+              <a:rPr lang="en-US" b="0" i="0" dirty="0">
+                <a:solidFill>
+                  <a:srgbClr val="24292F"/>
+                </a:solidFill>
+                <a:effectLst/>
+                <a:latin typeface="-apple-system"/>
+              </a:rPr>
+              <a:t>reflect that. There are also a large amount of gas stations, convenience stores, supply warehouses, bars, and music stores/studios. Someone looking for employment in these immediate communities would find ample options in these fields.</a:t>
+            </a:r>
+          </a:p>
+          <a:p>
+            <a:pPr algn="l"/>
+            <a:endParaRPr lang="en-US" b="0" i="0" dirty="0">
+              <a:solidFill>
+                <a:srgbClr val="24292F"/>
+              </a:solidFill>
+              <a:effectLst/>
+              <a:latin typeface="-apple-system"/>
             </a:endParaRPr>
           </a:p>
           <a:p>
-            <a:r>
-              <a:rPr lang="en-US" dirty="0">
-                <a:latin typeface="nyt-imperial"/>
+            <a:pPr algn="l"/>
+            <a:r>
+              <a:rPr lang="en-US" b="0" i="0" dirty="0">
+                <a:solidFill>
+                  <a:srgbClr val="24292F"/>
+                </a:solidFill>
+                <a:effectLst/>
+                <a:latin typeface="-apple-system"/>
               </a:rPr>
-              <a:t>There were not a lot of entertainment or attractions. There were also not a lot of book stores, non-profits, or other niche-market businesses. </a:t>
+              <a:t>I found there were not a lot of entertainment or attractions. There were also not a lot of book stores, non-profits, or other niche-market businesses. Someone wanting to invest in these communities and open a business that would stand out among the rest or not have much competition might want to look into going into these fields, or using the dashboard to find a business not yet represented in these communities.</a:t>
             </a:r>
           </a:p>
         </p:txBody>
@@ -5582,6 +5718,21 @@
 <file path=ppt/slides/slide2.xml><?xml version="1.0" encoding="utf-8"?>
 <p:sld xmlns:a="http://schemas.openxmlformats.org/drawingml/2006/main" xmlns:r="http://schemas.openxmlformats.org/officeDocument/2006/relationships" xmlns:p="http://schemas.openxmlformats.org/presentationml/2006/main">
   <p:cSld>
+    <p:bg>
+      <p:bgPr>
+        <a:blipFill dpi="0" rotWithShape="1">
+          <a:blip r:embed="rId3">
+            <a:alphaModFix amt="49000"/>
+            <a:lum/>
+          </a:blip>
+          <a:srcRect/>
+          <a:stretch>
+            <a:fillRect t="-39000" b="-39000"/>
+          </a:stretch>
+        </a:blipFill>
+        <a:effectLst/>
+      </p:bgPr>
+    </p:bg>
     <p:spTree>
       <p:nvGrpSpPr>
         <p:cNvPr id="1" name=""/>
@@ -5618,7 +5769,10 @@
             <a:ext cx="10134600" cy="647700"/>
           </a:xfrm>
           <a:solidFill>
-            <a:schemeClr val="bg1"/>
+            <a:schemeClr val="bg1">
+              <a:lumMod val="95000"/>
+              <a:alpha val="75000"/>
+            </a:schemeClr>
           </a:solidFill>
         </p:spPr>
         <p:txBody>
@@ -5657,7 +5811,10 @@
             <a:ext cx="10134600" cy="4620497"/>
           </a:xfrm>
           <a:solidFill>
-            <a:schemeClr val="bg1"/>
+            <a:schemeClr val="bg1">
+              <a:lumMod val="95000"/>
+              <a:alpha val="75000"/>
+            </a:schemeClr>
           </a:solidFill>
         </p:spPr>
         <p:txBody>
@@ -5714,7 +5871,7 @@
                 </a:solidFill>
                 <a:effectLst/>
                 <a:latin typeface="nyt-imperial"/>
-                <a:hlinkClick r:id="rId3"/>
+                <a:hlinkClick r:id="rId4"/>
               </a:rPr>
               <a:t>data from the Census Bureau</a:t>
             </a:r>
@@ -5745,7 +5902,7 @@
                 </a:solidFill>
                 <a:effectLst/>
                 <a:latin typeface="nyt-imperial"/>
-                <a:hlinkClick r:id="rId4"/>
+                <a:hlinkClick r:id="rId5"/>
               </a:rPr>
               <a:t>https://www.nytimes.com/2021/08/19/business/startup-business-creation-pandemic.html</a:t>
             </a:r>
@@ -5784,7 +5941,7 @@
             <a:r>
               <a:rPr lang="en-US" sz="1400" b="1" dirty="0">
                 <a:latin typeface="nyt-imperial"/>
-                <a:hlinkClick r:id="rId3"/>
+                <a:hlinkClick r:id="rId4"/>
               </a:rPr>
               <a:t>https://www.census.gov/econ/bfs/index.html</a:t>
             </a:r>
@@ -5854,7 +6011,10 @@
             <a:ext cx="10134600" cy="677281"/>
           </a:xfrm>
           <a:solidFill>
-            <a:schemeClr val="bg1"/>
+            <a:schemeClr val="bg1">
+              <a:lumMod val="95000"/>
+              <a:alpha val="75000"/>
+            </a:schemeClr>
           </a:solidFill>
         </p:spPr>
         <p:txBody>
@@ -5893,7 +6053,10 @@
             <a:ext cx="4849036" cy="4127500"/>
           </a:xfrm>
           <a:solidFill>
-            <a:schemeClr val="bg1"/>
+            <a:schemeClr val="bg1">
+              <a:lumMod val="95000"/>
+              <a:alpha val="75000"/>
+            </a:schemeClr>
           </a:solidFill>
         </p:spPr>
         <p:txBody>
@@ -5986,7 +6149,10 @@
             <a:ext cx="4904585" cy="4127499"/>
           </a:xfrm>
           <a:solidFill>
-            <a:schemeClr val="bg1"/>
+            <a:schemeClr val="bg1">
+              <a:lumMod val="95000"/>
+              <a:alpha val="75000"/>
+            </a:schemeClr>
           </a:solidFill>
         </p:spPr>
         <p:txBody>
@@ -6098,7 +6264,10 @@
             <a:ext cx="10134600" cy="657639"/>
           </a:xfrm>
           <a:solidFill>
-            <a:schemeClr val="bg1"/>
+            <a:schemeClr val="bg1">
+              <a:lumMod val="95000"/>
+              <a:alpha val="75000"/>
+            </a:schemeClr>
           </a:solidFill>
         </p:spPr>
         <p:txBody>
@@ -6137,7 +6306,10 @@
             <a:ext cx="10134600" cy="4701209"/>
           </a:xfrm>
           <a:solidFill>
-            <a:schemeClr val="bg1"/>
+            <a:schemeClr val="bg1">
+              <a:lumMod val="95000"/>
+              <a:alpha val="75000"/>
+            </a:schemeClr>
           </a:solidFill>
         </p:spPr>
         <p:txBody>
@@ -6190,7 +6362,7 @@
               <a:rPr lang="en-US" dirty="0">
                 <a:latin typeface="nyt-imperial"/>
               </a:rPr>
-              <a:t>Performed a spatial join between the Census dataframe and the businesses dataframe to get only businesses within the tracks with a predominantly black population.</a:t>
+              <a:t>Performed a spatial join between the census dataframe and the businesses dataframe to get only businesses within the tracks with a predominantly black population.</a:t>
             </a:r>
           </a:p>
         </p:txBody>
@@ -6243,11 +6415,14 @@
         </p:nvSpPr>
         <p:spPr>
           <a:xfrm>
-            <a:off x="1028700" y="723901"/>
-            <a:ext cx="10134600" cy="698499"/>
+            <a:off x="1028700" y="802640"/>
+            <a:ext cx="10134600" cy="619760"/>
           </a:xfrm>
           <a:solidFill>
-            <a:schemeClr val="bg1"/>
+            <a:schemeClr val="bg1">
+              <a:lumMod val="95000"/>
+              <a:alpha val="75000"/>
+            </a:schemeClr>
           </a:solidFill>
         </p:spPr>
         <p:txBody>
@@ -6286,7 +6461,10 @@
             <a:ext cx="10134600" cy="4129725"/>
           </a:xfrm>
           <a:solidFill>
-            <a:schemeClr val="bg1"/>
+            <a:schemeClr val="bg1">
+              <a:lumMod val="95000"/>
+              <a:alpha val="75000"/>
+            </a:schemeClr>
           </a:solidFill>
         </p:spPr>
         <p:txBody>
@@ -6297,7 +6475,7 @@
               <a:rPr lang="en-US" dirty="0">
                 <a:latin typeface="nyt-imperial"/>
               </a:rPr>
-              <a:t>The main challenge I faced was categorizing the business types. The Google API will return at most 60 results per run, and you can only search for 1 business category at a time. As such, this is not an exhaustive list of all businesses in these Census tracts. </a:t>
+              <a:t>The main challenge I faced was categorizing the business types. The Google API will return at most 60 results per run, and you can only search for 1 business category at a time. As such, this is not an exhaustive list of all businesses in these census tracts. </a:t>
             </a:r>
           </a:p>
           <a:p>
@@ -6329,290 +6507,6 @@
 </file>
 
 <file path=ppt/slides/slide6.xml><?xml version="1.0" encoding="utf-8"?>
-<p:sld xmlns:a="http://schemas.openxmlformats.org/drawingml/2006/main" xmlns:r="http://schemas.openxmlformats.org/officeDocument/2006/relationships" xmlns:p="http://schemas.openxmlformats.org/presentationml/2006/main">
-  <p:cSld>
-    <p:spTree>
-      <p:nvGrpSpPr>
-        <p:cNvPr id="1" name=""/>
-        <p:cNvGrpSpPr/>
-        <p:nvPr/>
-      </p:nvGrpSpPr>
-      <p:grpSpPr>
-        <a:xfrm>
-          <a:off x="0" y="0"/>
-          <a:ext cx="0" cy="0"/>
-          <a:chOff x="0" y="0"/>
-          <a:chExt cx="0" cy="0"/>
-        </a:xfrm>
-      </p:grpSpPr>
-      <p:sp>
-        <p:nvSpPr>
-          <p:cNvPr id="10" name="Freeform: Shape 9">
-            <a:extLst>
-              <a:ext uri="{FF2B5EF4-FFF2-40B4-BE49-F238E27FC236}">
-                <a16:creationId xmlns:a16="http://schemas.microsoft.com/office/drawing/2014/main" id="{9EB54D17-3792-403D-9127-495845021D2B}"/>
-              </a:ext>
-              <a:ext uri="{C183D7F6-B498-43B3-948B-1728B52AA6E4}">
-                <adec:decorative xmlns:adec="http://schemas.microsoft.com/office/drawing/2017/decorative" val="1"/>
-              </a:ext>
-            </a:extLst>
-          </p:cNvPr>
-          <p:cNvSpPr>
-            <a:spLocks noGrp="1" noRot="1" noChangeAspect="1" noMove="1" noResize="1" noEditPoints="1" noAdjustHandles="1" noChangeArrowheads="1" noChangeShapeType="1" noTextEdit="1"/>
-          </p:cNvSpPr>
-          <p:nvPr>
-            <p:extLst>
-              <p:ext uri="{386F3935-93C4-4BCD-93E2-E3B085C9AB24}">
-                <p16:designElem xmlns:p16="http://schemas.microsoft.com/office/powerpoint/2015/main" val="1"/>
-              </p:ext>
-            </p:extLst>
-          </p:nvPr>
-        </p:nvSpPr>
-        <p:spPr>
-          <a:xfrm>
-            <a:off x="0" y="0"/>
-            <a:ext cx="12192000" cy="6858000"/>
-          </a:xfrm>
-          <a:custGeom>
-            <a:avLst/>
-            <a:gdLst>
-              <a:gd name="connsiteX0" fmla="*/ 160920 w 12192000"/>
-              <a:gd name="connsiteY0" fmla="*/ 157606 h 6858000"/>
-              <a:gd name="connsiteX1" fmla="*/ 160920 w 12192000"/>
-              <a:gd name="connsiteY1" fmla="*/ 6700394 h 6858000"/>
-              <a:gd name="connsiteX2" fmla="*/ 12031081 w 12192000"/>
-              <a:gd name="connsiteY2" fmla="*/ 6700394 h 6858000"/>
-              <a:gd name="connsiteX3" fmla="*/ 12031081 w 12192000"/>
-              <a:gd name="connsiteY3" fmla="*/ 157606 h 6858000"/>
-              <a:gd name="connsiteX4" fmla="*/ 0 w 12192000"/>
-              <a:gd name="connsiteY4" fmla="*/ 0 h 6858000"/>
-              <a:gd name="connsiteX5" fmla="*/ 12192000 w 12192000"/>
-              <a:gd name="connsiteY5" fmla="*/ 0 h 6858000"/>
-              <a:gd name="connsiteX6" fmla="*/ 12192000 w 12192000"/>
-              <a:gd name="connsiteY6" fmla="*/ 6858000 h 6858000"/>
-              <a:gd name="connsiteX7" fmla="*/ 0 w 12192000"/>
-              <a:gd name="connsiteY7" fmla="*/ 6858000 h 6858000"/>
-            </a:gdLst>
-            <a:ahLst/>
-            <a:cxnLst>
-              <a:cxn ang="0">
-                <a:pos x="connsiteX0" y="connsiteY0"/>
-              </a:cxn>
-              <a:cxn ang="0">
-                <a:pos x="connsiteX1" y="connsiteY1"/>
-              </a:cxn>
-              <a:cxn ang="0">
-                <a:pos x="connsiteX2" y="connsiteY2"/>
-              </a:cxn>
-              <a:cxn ang="0">
-                <a:pos x="connsiteX3" y="connsiteY3"/>
-              </a:cxn>
-              <a:cxn ang="0">
-                <a:pos x="connsiteX4" y="connsiteY4"/>
-              </a:cxn>
-              <a:cxn ang="0">
-                <a:pos x="connsiteX5" y="connsiteY5"/>
-              </a:cxn>
-              <a:cxn ang="0">
-                <a:pos x="connsiteX6" y="connsiteY6"/>
-              </a:cxn>
-              <a:cxn ang="0">
-                <a:pos x="connsiteX7" y="connsiteY7"/>
-              </a:cxn>
-            </a:cxnLst>
-            <a:rect l="l" t="t" r="r" b="b"/>
-            <a:pathLst>
-              <a:path w="12192000" h="6858000">
-                <a:moveTo>
-                  <a:pt x="160920" y="157606"/>
-                </a:moveTo>
-                <a:lnTo>
-                  <a:pt x="160920" y="6700394"/>
-                </a:lnTo>
-                <a:lnTo>
-                  <a:pt x="12031081" y="6700394"/>
-                </a:lnTo>
-                <a:lnTo>
-                  <a:pt x="12031081" y="157606"/>
-                </a:lnTo>
-                <a:close/>
-                <a:moveTo>
-                  <a:pt x="0" y="0"/>
-                </a:moveTo>
-                <a:lnTo>
-                  <a:pt x="12192000" y="0"/>
-                </a:lnTo>
-                <a:lnTo>
-                  <a:pt x="12192000" y="6858000"/>
-                </a:lnTo>
-                <a:lnTo>
-                  <a:pt x="0" y="6858000"/>
-                </a:lnTo>
-                <a:close/>
-              </a:path>
-            </a:pathLst>
-          </a:custGeom>
-          <a:solidFill>
-            <a:schemeClr val="bg2"/>
-          </a:solidFill>
-          <a:ln w="12700" cap="flat" cmpd="sng" algn="ctr">
-            <a:noFill/>
-            <a:prstDash val="solid"/>
-            <a:miter lim="800000"/>
-          </a:ln>
-          <a:effectLst/>
-        </p:spPr>
-        <p:style>
-          <a:lnRef idx="2">
-            <a:schemeClr val="accent1">
-              <a:shade val="50000"/>
-            </a:schemeClr>
-          </a:lnRef>
-          <a:fillRef idx="1">
-            <a:schemeClr val="accent1"/>
-          </a:fillRef>
-          <a:effectRef idx="0">
-            <a:schemeClr val="accent1"/>
-          </a:effectRef>
-          <a:fontRef idx="minor">
-            <a:schemeClr val="lt1"/>
-          </a:fontRef>
-        </p:style>
-        <p:txBody>
-          <a:bodyPr rtlCol="0" anchor="ctr"/>
-          <a:lstStyle/>
-          <a:p>
-            <a:pPr algn="ctr"/>
-            <a:endParaRPr lang="en-US" dirty="0"/>
-          </a:p>
-        </p:txBody>
-      </p:sp>
-      <p:sp useBgFill="1">
-        <p:nvSpPr>
-          <p:cNvPr id="12" name="Rectangle 11">
-            <a:extLst>
-              <a:ext uri="{FF2B5EF4-FFF2-40B4-BE49-F238E27FC236}">
-                <a16:creationId xmlns:a16="http://schemas.microsoft.com/office/drawing/2014/main" id="{05FB7726-C6A8-44D0-B179-A65DE454D836}"/>
-              </a:ext>
-              <a:ext uri="{C183D7F6-B498-43B3-948B-1728B52AA6E4}">
-                <adec:decorative xmlns:adec="http://schemas.microsoft.com/office/drawing/2017/decorative" val="1"/>
-              </a:ext>
-            </a:extLst>
-          </p:cNvPr>
-          <p:cNvSpPr>
-            <a:spLocks noGrp="1" noRot="1" noChangeAspect="1" noMove="1" noResize="1" noEditPoints="1" noAdjustHandles="1" noChangeArrowheads="1" noChangeShapeType="1" noTextEdit="1"/>
-          </p:cNvSpPr>
-          <p:nvPr>
-            <p:extLst>
-              <p:ext uri="{386F3935-93C4-4BCD-93E2-E3B085C9AB24}">
-                <p16:designElem xmlns:p16="http://schemas.microsoft.com/office/powerpoint/2015/main" val="1"/>
-              </p:ext>
-            </p:extLst>
-          </p:nvPr>
-        </p:nvSpPr>
-        <p:spPr>
-          <a:xfrm>
-            <a:off x="0" y="0"/>
-            <a:ext cx="12192000" cy="6858000"/>
-          </a:xfrm>
-          <a:prstGeom prst="rect">
-            <a:avLst/>
-          </a:prstGeom>
-          <a:ln w="12700" cap="flat" cmpd="sng" algn="ctr">
-            <a:noFill/>
-            <a:prstDash val="solid"/>
-            <a:miter lim="800000"/>
-          </a:ln>
-          <a:effectLst/>
-          <a:extLst>
-            <a:ext uri="{91240B29-F687-4F45-9708-019B960494DF}">
-              <a14:hiddenLine xmlns:a14="http://schemas.microsoft.com/office/drawing/2010/main" w="12700" cap="flat" cmpd="sng" algn="ctr">
-                <a:solidFill>
-                  <a:schemeClr val="accent1">
-                    <a:shade val="50000"/>
-                  </a:schemeClr>
-                </a:solidFill>
-                <a:prstDash val="solid"/>
-                <a:miter lim="800000"/>
-              </a14:hiddenLine>
-            </a:ext>
-          </a:extLst>
-        </p:spPr>
-        <p:style>
-          <a:lnRef idx="2">
-            <a:schemeClr val="accent1">
-              <a:shade val="50000"/>
-            </a:schemeClr>
-          </a:lnRef>
-          <a:fillRef idx="1">
-            <a:schemeClr val="accent1"/>
-          </a:fillRef>
-          <a:effectRef idx="0">
-            <a:schemeClr val="accent1"/>
-          </a:effectRef>
-          <a:fontRef idx="minor">
-            <a:schemeClr val="lt1"/>
-          </a:fontRef>
-        </p:style>
-        <p:txBody>
-          <a:bodyPr rtlCol="0" anchor="ctr"/>
-          <a:lstStyle/>
-          <a:p>
-            <a:pPr algn="ctr"/>
-            <a:endParaRPr lang="en-US" dirty="0"/>
-          </a:p>
-        </p:txBody>
-      </p:sp>
-      <p:pic>
-        <p:nvPicPr>
-          <p:cNvPr id="8" name="Picture 7" descr="Chart, bar chart&#10;&#10;Description automatically generated">
-            <a:extLst>
-              <a:ext uri="{FF2B5EF4-FFF2-40B4-BE49-F238E27FC236}">
-                <a16:creationId xmlns:a16="http://schemas.microsoft.com/office/drawing/2014/main" id="{EFD848AA-8765-4F48-BDAA-73AE0B9B12BD}"/>
-              </a:ext>
-            </a:extLst>
-          </p:cNvPr>
-          <p:cNvPicPr>
-            <a:picLocks noChangeAspect="1"/>
-          </p:cNvPicPr>
-          <p:nvPr/>
-        </p:nvPicPr>
-        <p:blipFill>
-          <a:blip r:embed="rId3">
-            <a:extLst>
-              <a:ext uri="{28A0092B-C50C-407E-A947-70E740481C1C}">
-                <a14:useLocalDpi xmlns:a14="http://schemas.microsoft.com/office/drawing/2010/main" val="0"/>
-              </a:ext>
-            </a:extLst>
-          </a:blip>
-          <a:stretch>
-            <a:fillRect/>
-          </a:stretch>
-        </p:blipFill>
-        <p:spPr>
-          <a:xfrm>
-            <a:off x="77421" y="589279"/>
-            <a:ext cx="12037158" cy="5679442"/>
-          </a:xfrm>
-          <a:prstGeom prst="rect">
-            <a:avLst/>
-          </a:prstGeom>
-        </p:spPr>
-      </p:pic>
-    </p:spTree>
-    <p:extLst>
-      <p:ext uri="{BB962C8B-B14F-4D97-AF65-F5344CB8AC3E}">
-        <p14:creationId xmlns:p14="http://schemas.microsoft.com/office/powerpoint/2010/main" val="2908708605"/>
-      </p:ext>
-    </p:extLst>
-  </p:cSld>
-  <p:clrMapOvr>
-    <a:masterClrMapping/>
-  </p:clrMapOvr>
-</p:sld>
-</file>
-
-<file path=ppt/slides/slide7.xml><?xml version="1.0" encoding="utf-8"?>
 <p:sld xmlns:a="http://schemas.openxmlformats.org/drawingml/2006/main" xmlns:r="http://schemas.openxmlformats.org/officeDocument/2006/relationships" xmlns:p="http://schemas.openxmlformats.org/presentationml/2006/main">
   <p:cSld>
     <p:spTree>
@@ -6672,7 +6566,7 @@
 </p:sld>
 </file>
 
-<file path=ppt/slides/slide8.xml><?xml version="1.0" encoding="utf-8"?>
+<file path=ppt/slides/slide7.xml><?xml version="1.0" encoding="utf-8"?>
 <p:sld xmlns:a="http://schemas.openxmlformats.org/drawingml/2006/main" xmlns:r="http://schemas.openxmlformats.org/officeDocument/2006/relationships" xmlns:p="http://schemas.openxmlformats.org/presentationml/2006/main">
   <p:cSld>
     <p:spTree>
@@ -6738,6 +6632,72 @@
 </p:sld>
 </file>
 
+<file path=ppt/slides/slide8.xml><?xml version="1.0" encoding="utf-8"?>
+<p:sld xmlns:a="http://schemas.openxmlformats.org/drawingml/2006/main" xmlns:r="http://schemas.openxmlformats.org/officeDocument/2006/relationships" xmlns:p="http://schemas.openxmlformats.org/presentationml/2006/main">
+  <p:cSld>
+    <p:spTree>
+      <p:nvGrpSpPr>
+        <p:cNvPr id="1" name=""/>
+        <p:cNvGrpSpPr/>
+        <p:nvPr/>
+      </p:nvGrpSpPr>
+      <p:grpSpPr>
+        <a:xfrm>
+          <a:off x="0" y="0"/>
+          <a:ext cx="0" cy="0"/>
+          <a:chOff x="0" y="0"/>
+          <a:chExt cx="0" cy="0"/>
+        </a:xfrm>
+      </p:grpSpPr>
+      <p:pic>
+        <p:nvPicPr>
+          <p:cNvPr id="5" name="Picture 4" descr="Chart, bar chart&#10;&#10;Description automatically generated">
+            <a:extLst>
+              <a:ext uri="{FF2B5EF4-FFF2-40B4-BE49-F238E27FC236}">
+                <a16:creationId xmlns:a16="http://schemas.microsoft.com/office/drawing/2014/main" id="{A095F88D-5D07-448D-AA8E-9F878729ADF7}"/>
+              </a:ext>
+            </a:extLst>
+          </p:cNvPr>
+          <p:cNvPicPr>
+            <a:picLocks noChangeAspect="1"/>
+          </p:cNvPicPr>
+          <p:nvPr/>
+        </p:nvPicPr>
+        <p:blipFill>
+          <a:blip r:embed="rId2">
+            <a:extLst>
+              <a:ext uri="{28A0092B-C50C-407E-A947-70E740481C1C}">
+                <a14:useLocalDpi xmlns:a14="http://schemas.microsoft.com/office/drawing/2010/main" val="0"/>
+              </a:ext>
+            </a:extLst>
+          </a:blip>
+          <a:stretch>
+            <a:fillRect/>
+          </a:stretch>
+        </p:blipFill>
+        <p:spPr>
+          <a:xfrm>
+            <a:off x="288968" y="850899"/>
+            <a:ext cx="11614064" cy="5156202"/>
+          </a:xfrm>
+          <a:prstGeom prst="rect">
+            <a:avLst/>
+          </a:prstGeom>
+        </p:spPr>
+      </p:pic>
+    </p:spTree>
+    <p:extLst>
+      <p:ext uri="{BB962C8B-B14F-4D97-AF65-F5344CB8AC3E}">
+        <p14:creationId xmlns:p14="http://schemas.microsoft.com/office/powerpoint/2010/main" val="3382679615"/>
+      </p:ext>
+    </p:extLst>
+  </p:cSld>
+  <p:clrMapOvr>
+    <a:masterClrMapping/>
+  </p:clrMapOvr>
+</p:sld>
+</file>
+
 <file path=ppt/slides/slide9.xml><?xml version="1.0" encoding="utf-8"?>
 <p:sld xmlns:a="http://schemas.openxmlformats.org/drawingml/2006/main" xmlns:r="http://schemas.openxmlformats.org/officeDocument/2006/relationships" xmlns:p="http://schemas.openxmlformats.org/presentationml/2006/main">
   <p:cSld>
@@ -6757,10 +6717,97 @@
       </p:grpSpPr>
       <p:pic>
         <p:nvPicPr>
-          <p:cNvPr id="5" name="Picture 4" descr="Chart, bar chart&#10;&#10;Description automatically generated">
-            <a:extLst>
-              <a:ext uri="{FF2B5EF4-FFF2-40B4-BE49-F238E27FC236}">
-                <a16:creationId xmlns:a16="http://schemas.microsoft.com/office/drawing/2014/main" id="{A095F88D-5D07-448D-AA8E-9F878729ADF7}"/>
+          <p:cNvPr id="5" name="Picture 4" descr="Map&#10;&#10;Description automatically generated">
+            <a:extLst>
+              <a:ext uri="{FF2B5EF4-FFF2-40B4-BE49-F238E27FC236}">
+                <a16:creationId xmlns:a16="http://schemas.microsoft.com/office/drawing/2014/main" id="{BA60EAD8-DFFD-4AD6-AAA5-302191F1A9A7}"/>
+              </a:ext>
+            </a:extLst>
+          </p:cNvPr>
+          <p:cNvPicPr>
+            <a:picLocks noChangeAspect="1"/>
+          </p:cNvPicPr>
+          <p:nvPr/>
+        </p:nvPicPr>
+        <p:blipFill rotWithShape="1">
+          <a:blip r:embed="rId2">
+            <a:extLst>
+              <a:ext uri="{28A0092B-C50C-407E-A947-70E740481C1C}">
+                <a14:useLocalDpi xmlns:a14="http://schemas.microsoft.com/office/drawing/2010/main" val="0"/>
+              </a:ext>
+            </a:extLst>
+          </a:blip>
+          <a:srcRect r="31986"/>
+          <a:stretch/>
+        </p:blipFill>
+        <p:spPr>
+          <a:xfrm>
+            <a:off x="242973" y="1405773"/>
+            <a:ext cx="6310227" cy="4832467"/>
+          </a:xfrm>
+          <a:prstGeom prst="rect">
+            <a:avLst/>
+          </a:prstGeom>
+        </p:spPr>
+      </p:pic>
+      <p:sp>
+        <p:nvSpPr>
+          <p:cNvPr id="6" name="Rectangle 5">
+            <a:extLst>
+              <a:ext uri="{FF2B5EF4-FFF2-40B4-BE49-F238E27FC236}">
+                <a16:creationId xmlns:a16="http://schemas.microsoft.com/office/drawing/2014/main" id="{56577F9A-5A7E-45C4-876C-B70798490C85}"/>
+              </a:ext>
+            </a:extLst>
+          </p:cNvPr>
+          <p:cNvSpPr/>
+          <p:nvPr/>
+        </p:nvSpPr>
+        <p:spPr>
+          <a:xfrm>
+            <a:off x="1788159" y="4542183"/>
+            <a:ext cx="3549153" cy="1645257"/>
+          </a:xfrm>
+          <a:prstGeom prst="rect">
+            <a:avLst/>
+          </a:prstGeom>
+          <a:noFill/>
+          <a:ln w="19050">
+            <a:solidFill>
+              <a:srgbClr val="FF0000"/>
+            </a:solidFill>
+          </a:ln>
+        </p:spPr>
+        <p:style>
+          <a:lnRef idx="2">
+            <a:schemeClr val="accent1">
+              <a:shade val="50000"/>
+            </a:schemeClr>
+          </a:lnRef>
+          <a:fillRef idx="1">
+            <a:schemeClr val="accent1"/>
+          </a:fillRef>
+          <a:effectRef idx="0">
+            <a:schemeClr val="accent1"/>
+          </a:effectRef>
+          <a:fontRef idx="minor">
+            <a:schemeClr val="lt1"/>
+          </a:fontRef>
+        </p:style>
+        <p:txBody>
+          <a:bodyPr rtlCol="0" anchor="ctr"/>
+          <a:lstStyle/>
+          <a:p>
+            <a:pPr algn="ctr"/>
+            <a:endParaRPr lang="en-US"/>
+          </a:p>
+        </p:txBody>
+      </p:sp>
+      <p:pic>
+        <p:nvPicPr>
+          <p:cNvPr id="8" name="Picture 7" descr="Map&#10;&#10;Description automatically generated">
+            <a:extLst>
+              <a:ext uri="{FF2B5EF4-FFF2-40B4-BE49-F238E27FC236}">
+                <a16:creationId xmlns:a16="http://schemas.microsoft.com/office/drawing/2014/main" id="{E7A8BA4F-453D-4E67-86A7-E06984DC84D8}"/>
               </a:ext>
             </a:extLst>
           </p:cNvPr>
@@ -6770,7 +6817,7 @@
           <p:nvPr/>
         </p:nvPicPr>
         <p:blipFill>
-          <a:blip r:embed="rId2">
+          <a:blip r:embed="rId3">
             <a:extLst>
               <a:ext uri="{28A0092B-C50C-407E-A947-70E740481C1C}">
                 <a14:useLocalDpi xmlns:a14="http://schemas.microsoft.com/office/drawing/2010/main" val="0"/>
@@ -6783,18 +6830,94 @@
         </p:blipFill>
         <p:spPr>
           <a:xfrm>
-            <a:off x="288968" y="850899"/>
-            <a:ext cx="11614064" cy="5156202"/>
+            <a:off x="6652592" y="1405773"/>
+            <a:ext cx="5296435" cy="2854699"/>
           </a:xfrm>
           <a:prstGeom prst="rect">
             <a:avLst/>
           </a:prstGeom>
         </p:spPr>
       </p:pic>
+      <p:pic>
+        <p:nvPicPr>
+          <p:cNvPr id="10" name="Picture 9" descr="Map&#10;&#10;Description automatically generated">
+            <a:extLst>
+              <a:ext uri="{FF2B5EF4-FFF2-40B4-BE49-F238E27FC236}">
+                <a16:creationId xmlns:a16="http://schemas.microsoft.com/office/drawing/2014/main" id="{F726A19C-139D-41D6-B557-655993AADE9B}"/>
+              </a:ext>
+            </a:extLst>
+          </p:cNvPr>
+          <p:cNvPicPr>
+            <a:picLocks noChangeAspect="1"/>
+          </p:cNvPicPr>
+          <p:nvPr/>
+        </p:nvPicPr>
+        <p:blipFill rotWithShape="1">
+          <a:blip r:embed="rId4">
+            <a:extLst>
+              <a:ext uri="{28A0092B-C50C-407E-A947-70E740481C1C}">
+                <a14:useLocalDpi xmlns:a14="http://schemas.microsoft.com/office/drawing/2010/main" val="0"/>
+              </a:ext>
+            </a:extLst>
+          </a:blip>
+          <a:srcRect l="15048" t="30260" r="32083" b="27872"/>
+          <a:stretch/>
+        </p:blipFill>
+        <p:spPr>
+          <a:xfrm>
+            <a:off x="6652591" y="4339866"/>
+            <a:ext cx="5296435" cy="1898374"/>
+          </a:xfrm>
+          <a:prstGeom prst="rect">
+            <a:avLst/>
+          </a:prstGeom>
+        </p:spPr>
+      </p:pic>
+      <p:sp>
+        <p:nvSpPr>
+          <p:cNvPr id="11" name="Title 1">
+            <a:extLst>
+              <a:ext uri="{FF2B5EF4-FFF2-40B4-BE49-F238E27FC236}">
+                <a16:creationId xmlns:a16="http://schemas.microsoft.com/office/drawing/2014/main" id="{07100990-3DAA-41FC-910D-3A4C503A1757}"/>
+              </a:ext>
+            </a:extLst>
+          </p:cNvPr>
+          <p:cNvSpPr>
+            <a:spLocks noGrp="1"/>
+          </p:cNvSpPr>
+          <p:nvPr>
+            <p:ph type="title"/>
+          </p:nvPr>
+        </p:nvSpPr>
+        <p:spPr>
+          <a:xfrm>
+            <a:off x="242973" y="500489"/>
+            <a:ext cx="11706053" cy="549193"/>
+          </a:xfrm>
+          <a:solidFill>
+            <a:schemeClr val="bg1"/>
+          </a:solidFill>
+        </p:spPr>
+        <p:txBody>
+          <a:bodyPr>
+            <a:normAutofit fontScale="90000"/>
+          </a:bodyPr>
+          <a:lstStyle/>
+          <a:p>
+            <a:pPr algn="ctr"/>
+            <a:r>
+              <a:rPr lang="en-US" dirty="0">
+                <a:latin typeface="nyt-imperial"/>
+              </a:rPr>
+              <a:t>Top Business Types per Tract</a:t>
+            </a:r>
+          </a:p>
+        </p:txBody>
+      </p:sp>
     </p:spTree>
     <p:extLst>
       <p:ext uri="{BB962C8B-B14F-4D97-AF65-F5344CB8AC3E}">
-        <p14:creationId xmlns:p14="http://schemas.microsoft.com/office/powerpoint/2010/main" val="3382679615"/>
+        <p14:creationId xmlns:p14="http://schemas.microsoft.com/office/powerpoint/2010/main" val="2450034319"/>
       </p:ext>
     </p:extLst>
   </p:cSld>
